--- a/courses/apcsp/lect17.pptx
+++ b/courses/apcsp/lect17.pptx
@@ -14077,12 +14077,6 @@
             <a:pPr marL="0" indent="0">
               <a:buNone/>
             </a:pPr>
-            <a:endParaRPr lang="en-US" sz="2400" cap="none" dirty="0"/>
-          </a:p>
-          <a:p>
-            <a:pPr marL="0" indent="0">
-              <a:buNone/>
-            </a:pPr>
             <a:r>
               <a:rPr lang="en-US" sz="2400" dirty="0" err="1">
                 <a:latin typeface="Courier New" panose="02070309020205020404" pitchFamily="49" charset="0"/>
@@ -14109,7 +14103,53 @@
             <a:pPr marL="0" indent="0">
               <a:buNone/>
             </a:pPr>
-            <a:endParaRPr lang="en-US" sz="2400" cap="none" dirty="0"/>
+            <a:endParaRPr lang="en-US" sz="2400" dirty="0">
+              <a:latin typeface="Gill Sans MT" panose="020B0502020104020203" pitchFamily="34" charset="77"/>
+              <a:cs typeface="Courier New" panose="02070309020205020404" pitchFamily="49" charset="0"/>
+            </a:endParaRPr>
+          </a:p>
+          <a:p>
+            <a:pPr marL="0" indent="0">
+              <a:buNone/>
+            </a:pPr>
+            <a:r>
+              <a:rPr lang="en-US" sz="2400" dirty="0" err="1">
+                <a:latin typeface="Courier New" panose="02070309020205020404" pitchFamily="49" charset="0"/>
+                <a:cs typeface="Courier New" panose="02070309020205020404" pitchFamily="49" charset="0"/>
+              </a:rPr>
+              <a:t>np.fft.fft</a:t>
+            </a:r>
+            <a:r>
+              <a:rPr lang="en-US" sz="2400" dirty="0">
+                <a:latin typeface="Courier New" panose="02070309020205020404" pitchFamily="49" charset="0"/>
+                <a:cs typeface="Courier New" panose="02070309020205020404" pitchFamily="49" charset="0"/>
+              </a:rPr>
+              <a:t>(samples) </a:t>
+            </a:r>
+            <a:r>
+              <a:rPr lang="en-US" sz="2400" dirty="0">
+                <a:latin typeface="Gill Sans MT" panose="020B0502020104020203" pitchFamily="34" charset="77"/>
+                <a:cs typeface="Courier New" panose="02070309020205020404" pitchFamily="49" charset="0"/>
+              </a:rPr>
+              <a:t>returns the full set </a:t>
+            </a:r>
+            <a:r>
+              <a:rPr lang="en-US" sz="2400">
+                <a:latin typeface="Gill Sans MT" panose="020B0502020104020203" pitchFamily="34" charset="77"/>
+                <a:cs typeface="Courier New" panose="02070309020205020404" pitchFamily="49" charset="0"/>
+              </a:rPr>
+              <a:t>of Fourier coefficients</a:t>
+            </a:r>
+            <a:r>
+              <a:rPr lang="en-US" sz="2400" dirty="0">
+                <a:latin typeface="Gill Sans MT" panose="020B0502020104020203" pitchFamily="34" charset="77"/>
+                <a:cs typeface="Courier New" panose="02070309020205020404" pitchFamily="49" charset="0"/>
+              </a:rPr>
+              <a:t>. </a:t>
+            </a:r>
+            <a:endParaRPr lang="en-US" sz="2400" cap="none" dirty="0">
+              <a:latin typeface="Gill Sans MT" panose="020B0502020104020203" pitchFamily="34" charset="77"/>
+            </a:endParaRPr>
           </a:p>
         </p:txBody>
       </p:sp>

--- a/courses/apcsp/lect17.pptx
+++ b/courses/apcsp/lect17.pptx
@@ -13220,7 +13220,7 @@
         <p:spPr>
           <a:xfrm>
             <a:off x="467481" y="938463"/>
-            <a:ext cx="8520108" cy="4613251"/>
+            <a:ext cx="8520108" cy="4776537"/>
           </a:xfrm>
         </p:spPr>
         <p:txBody>
@@ -13232,18 +13232,6 @@
             <a:pPr marL="0" indent="0">
               <a:buNone/>
             </a:pPr>
-            <a:endParaRPr lang="en-US" sz="2200" cap="none" dirty="0"/>
-          </a:p>
-          <a:p>
-            <a:pPr marL="0" indent="0">
-              <a:buNone/>
-            </a:pPr>
-            <a:endParaRPr lang="en-US" sz="2200" cap="none" dirty="0"/>
-          </a:p>
-          <a:p>
-            <a:pPr marL="0" indent="0">
-              <a:buNone/>
-            </a:pPr>
             <a:r>
               <a:rPr lang="en-US" sz="2200" cap="none" dirty="0"/>
               <a:t>The </a:t>
@@ -13326,46 +13314,26 @@
             </a:pPr>
             <a:r>
               <a:rPr lang="en-US" sz="2200" dirty="0"/>
-              <a:t>is present in the signal.	      </a:t>
-            </a:r>
-            <a:r>
-              <a:rPr lang="en-US" sz="2000" dirty="0">
-                <a:latin typeface="Courier New" panose="02070309020205020404" pitchFamily="49" charset="0"/>
-                <a:cs typeface="Courier New" panose="02070309020205020404" pitchFamily="49" charset="0"/>
-              </a:rPr>
-              <a:t>(Python) </a:t>
-            </a:r>
-            <a:r>
-              <a:rPr lang="en-US" sz="2000" dirty="0" err="1">
-                <a:latin typeface="Courier New" panose="02070309020205020404" pitchFamily="49" charset="0"/>
-                <a:cs typeface="Courier New" panose="02070309020205020404" pitchFamily="49" charset="0"/>
-              </a:rPr>
-              <a:t>np.fft.rfft</a:t>
-            </a:r>
-            <a:r>
-              <a:rPr lang="en-US" sz="2000" dirty="0">
-                <a:latin typeface="Courier New" panose="02070309020205020404" pitchFamily="49" charset="0"/>
-                <a:cs typeface="Courier New" panose="02070309020205020404" pitchFamily="49" charset="0"/>
-              </a:rPr>
-              <a:t>(samples)</a:t>
+              <a:t>is present in the signal. </a:t>
             </a:r>
           </a:p>
           <a:p>
             <a:pPr marL="0" indent="0">
               <a:buNone/>
             </a:pPr>
+            <a:endParaRPr lang="en-US" sz="2200" dirty="0"/>
+          </a:p>
+          <a:p>
+            <a:pPr marL="0" indent="0">
+              <a:buNone/>
+            </a:pPr>
             <a:r>
               <a:rPr lang="en-US" sz="2200" dirty="0"/>
-              <a:t>        </a:t>
-            </a:r>
-          </a:p>
-          <a:p>
-            <a:pPr marL="0" indent="0">
-              <a:buNone/>
-            </a:pPr>
-            <a:r>
-              <a:rPr lang="en-US" sz="2400" cap="none" dirty="0"/>
-              <a:t>									     </a:t>
+              <a:t>Specifically, the larger the magnitude of the complex number</a:t>
+            </a:r>
+            <a:r>
+              <a:rPr lang="en-US" sz="2200" cap="none" dirty="0"/>
+              <a:t>	        , the stronger the amplitude of the sinusoid of that frequency.						     </a:t>
             </a:r>
           </a:p>
           <a:p>
@@ -13451,7 +13419,7 @@
         </p:nvSpPr>
         <p:spPr>
           <a:xfrm>
-            <a:off x="624264" y="426416"/>
+            <a:off x="610703" y="295282"/>
             <a:ext cx="7922594" cy="669139"/>
           </a:xfrm>
         </p:spPr>
@@ -13489,7 +13457,7 @@
         </p:blipFill>
         <p:spPr>
           <a:xfrm>
-            <a:off x="1626368" y="2950061"/>
+            <a:off x="1626368" y="2132934"/>
             <a:ext cx="5795026" cy="874935"/>
           </a:xfrm>
           <a:prstGeom prst="rect">
@@ -13519,7 +13487,7 @@
         </p:blipFill>
         <p:spPr>
           <a:xfrm>
-            <a:off x="636335" y="2199330"/>
+            <a:off x="636335" y="1382203"/>
             <a:ext cx="6967622" cy="324355"/>
           </a:xfrm>
           <a:prstGeom prst="rect">
@@ -13549,7 +13517,7 @@
         </p:blipFill>
         <p:spPr>
           <a:xfrm>
-            <a:off x="5133171" y="4165593"/>
+            <a:off x="5094261" y="3387377"/>
             <a:ext cx="2552700" cy="342900"/>
           </a:xfrm>
           <a:prstGeom prst="rect">
@@ -13579,7 +13547,7 @@
         </p:blipFill>
         <p:spPr>
           <a:xfrm>
-            <a:off x="4735002" y="4128488"/>
+            <a:off x="4735002" y="3330820"/>
             <a:ext cx="355600" cy="317500"/>
           </a:xfrm>
           <a:prstGeom prst="rect">
@@ -13609,7 +13577,7 @@
         </p:blipFill>
         <p:spPr>
           <a:xfrm>
-            <a:off x="574817" y="4605087"/>
+            <a:off x="574817" y="3787960"/>
             <a:ext cx="584200" cy="342900"/>
           </a:xfrm>
           <a:prstGeom prst="rect">
@@ -13639,8 +13607,38 @@
         </p:blipFill>
         <p:spPr>
           <a:xfrm>
-            <a:off x="6463873" y="4583365"/>
+            <a:off x="6463873" y="3766238"/>
             <a:ext cx="1206500" cy="304800"/>
+          </a:xfrm>
+          <a:prstGeom prst="rect">
+            <a:avLst/>
+          </a:prstGeom>
+        </p:spPr>
+      </p:pic>
+      <p:pic>
+        <p:nvPicPr>
+          <p:cNvPr id="10" name="Picture 9">
+            <a:extLst>
+              <a:ext uri="{FF2B5EF4-FFF2-40B4-BE49-F238E27FC236}">
+                <a16:creationId xmlns:a16="http://schemas.microsoft.com/office/drawing/2014/main" id="{AB3B284C-FCEE-8543-BAB1-5731D3131503}"/>
+              </a:ext>
+            </a:extLst>
+          </p:cNvPr>
+          <p:cNvPicPr>
+            <a:picLocks noChangeAspect="1"/>
+          </p:cNvPicPr>
+          <p:nvPr/>
+        </p:nvPicPr>
+        <p:blipFill>
+          <a:blip r:embed="rId7"/>
+          <a:stretch>
+            <a:fillRect/>
+          </a:stretch>
+        </p:blipFill>
+        <p:spPr>
+          <a:xfrm>
+            <a:off x="7452216" y="5000711"/>
+            <a:ext cx="584200" cy="342900"/>
           </a:xfrm>
           <a:prstGeom prst="rect">
             <a:avLst/>
@@ -14131,21 +14129,7 @@
                 <a:latin typeface="Gill Sans MT" panose="020B0502020104020203" pitchFamily="34" charset="77"/>
                 <a:cs typeface="Courier New" panose="02070309020205020404" pitchFamily="49" charset="0"/>
               </a:rPr>
-              <a:t>returns the full set </a:t>
-            </a:r>
-            <a:r>
-              <a:rPr lang="en-US" sz="2400">
-                <a:latin typeface="Gill Sans MT" panose="020B0502020104020203" pitchFamily="34" charset="77"/>
-                <a:cs typeface="Courier New" panose="02070309020205020404" pitchFamily="49" charset="0"/>
-              </a:rPr>
-              <a:t>of Fourier coefficients</a:t>
-            </a:r>
-            <a:r>
-              <a:rPr lang="en-US" sz="2400" dirty="0">
-                <a:latin typeface="Gill Sans MT" panose="020B0502020104020203" pitchFamily="34" charset="77"/>
-                <a:cs typeface="Courier New" panose="02070309020205020404" pitchFamily="49" charset="0"/>
-              </a:rPr>
-              <a:t>. </a:t>
+              <a:t>returns the full set of Fourier coefficients. </a:t>
             </a:r>
             <a:endParaRPr lang="en-US" sz="2400" cap="none" dirty="0">
               <a:latin typeface="Gill Sans MT" panose="020B0502020104020203" pitchFamily="34" charset="77"/>

--- a/courses/apcsp/lect17.pptx
+++ b/courses/apcsp/lect17.pptx
@@ -138,41 +138,8 @@
 </p:presentation>
 </file>
 
-<file path=ppt/revisionInfo.xml><?xml version="1.0" encoding="utf-8"?>
-<p1510:revInfo xmlns:a="http://schemas.openxmlformats.org/drawingml/2006/main" xmlns:r="http://schemas.openxmlformats.org/officeDocument/2006/relationships" xmlns:p1510="http://schemas.microsoft.com/office/powerpoint/2015/10/main">
-  <p1510:revLst>
-    <p1510:client id="{4BE6A6D3-80E1-E648-9A65-3053C53C3489}" v="1" dt="2020-01-13T13:50:10.484"/>
-    <p1510:client id="{6AC26564-89E3-E046-BFB4-F80582D7E17B}" v="2" dt="2020-01-13T13:46:19.953"/>
-  </p1510:revLst>
-</p1510:revInfo>
-</file>
-
 <file path=ppt/changesInfos/changesInfo1.xml><?xml version="1.0" encoding="utf-8"?>
 <pc:chgInfo xmlns:a="http://schemas.openxmlformats.org/drawingml/2006/main" xmlns:r="http://schemas.openxmlformats.org/officeDocument/2006/relationships" xmlns:ac="http://schemas.microsoft.com/office/drawing/2013/main/command" xmlns:pc="http://schemas.microsoft.com/office/powerpoint/2013/main/command">
-  <pc:docChgLst>
-    <pc:chgData name="Long B Nguyen" userId="f59fb8f3-a021-417a-8bc1-65c8d471c621" providerId="ADAL" clId="{B5860C40-AA08-4447-A918-2D2782E0FC0B}"/>
-    <pc:docChg chg="delSld modSld">
-      <pc:chgData name="Long B Nguyen" userId="f59fb8f3-a021-417a-8bc1-65c8d471c621" providerId="ADAL" clId="{B5860C40-AA08-4447-A918-2D2782E0FC0B}" dt="2019-09-16T13:59:20.091" v="35" actId="2696"/>
-      <pc:docMkLst>
-        <pc:docMk/>
-      </pc:docMkLst>
-      <pc:sldChg chg="modSp">
-        <pc:chgData name="Long B Nguyen" userId="f59fb8f3-a021-417a-8bc1-65c8d471c621" providerId="ADAL" clId="{B5860C40-AA08-4447-A918-2D2782E0FC0B}" dt="2019-09-16T13:58:36.640" v="18" actId="20577"/>
-        <pc:sldMkLst>
-          <pc:docMk/>
-          <pc:sldMk cId="4247104139" sldId="256"/>
-        </pc:sldMkLst>
-        <pc:spChg chg="mod">
-          <ac:chgData name="Long B Nguyen" userId="f59fb8f3-a021-417a-8bc1-65c8d471c621" providerId="ADAL" clId="{B5860C40-AA08-4447-A918-2D2782E0FC0B}" dt="2019-09-16T13:58:36.640" v="18" actId="20577"/>
-          <ac:spMkLst>
-            <pc:docMk/>
-            <pc:sldMk cId="4247104139" sldId="256"/>
-            <ac:spMk id="3" creationId="{1BDC47C8-6776-7B44-9CD4-95FC91452D62}"/>
-          </ac:spMkLst>
-        </pc:spChg>
-      </pc:sldChg>
-    </pc:docChg>
-  </pc:docChgLst>
   <pc:docChgLst>
     <pc:chgData name="Long B Nguyen" userId="f59fb8f3-a021-417a-8bc1-65c8d471c621" providerId="ADAL" clId="{4BE6A6D3-80E1-E648-9A65-3053C53C3489}"/>
     <pc:docChg chg="addSld delSld modSld">
@@ -443,190 +410,28 @@
     </pc:docChg>
   </pc:docChgLst>
   <pc:docChgLst>
-    <pc:chgData name="Long B Nguyen" userId="f59fb8f3-a021-417a-8bc1-65c8d471c621" providerId="ADAL" clId="{AA9102B5-DACA-D841-B260-AEEBF90FC60A}"/>
-    <pc:docChg chg="custSel addSld delSld modSld">
-      <pc:chgData name="Long B Nguyen" userId="f59fb8f3-a021-417a-8bc1-65c8d471c621" providerId="ADAL" clId="{AA9102B5-DACA-D841-B260-AEEBF90FC60A}" dt="2020-01-06T17:07:10.515" v="1519" actId="2711"/>
+    <pc:chgData name="Long B Nguyen" userId="f59fb8f3-a021-417a-8bc1-65c8d471c621" providerId="ADAL" clId="{CC9C9D9A-5149-2947-86C0-576F501F60DC}"/>
+    <pc:docChg chg="addSld modSld">
+      <pc:chgData name="Long B Nguyen" userId="f59fb8f3-a021-417a-8bc1-65c8d471c621" providerId="ADAL" clId="{CC9C9D9A-5149-2947-86C0-576F501F60DC}" dt="2020-01-05T21:59:55.597" v="2392" actId="14100"/>
       <pc:docMkLst>
         <pc:docMk/>
       </pc:docMkLst>
-      <pc:sldChg chg="modSp">
-        <pc:chgData name="Long B Nguyen" userId="f59fb8f3-a021-417a-8bc1-65c8d471c621" providerId="ADAL" clId="{AA9102B5-DACA-D841-B260-AEEBF90FC60A}" dt="2020-01-05T22:05:23.536" v="23" actId="20577"/>
-        <pc:sldMkLst>
-          <pc:docMk/>
-          <pc:sldMk cId="4247104139" sldId="256"/>
-        </pc:sldMkLst>
-        <pc:spChg chg="mod">
-          <ac:chgData name="Long B Nguyen" userId="f59fb8f3-a021-417a-8bc1-65c8d471c621" providerId="ADAL" clId="{AA9102B5-DACA-D841-B260-AEEBF90FC60A}" dt="2020-01-05T22:05:23.536" v="23" actId="20577"/>
-          <ac:spMkLst>
-            <pc:docMk/>
-            <pc:sldMk cId="4247104139" sldId="256"/>
-            <ac:spMk id="3" creationId="{1BDC47C8-6776-7B44-9CD4-95FC91452D62}"/>
-          </ac:spMkLst>
-        </pc:spChg>
-      </pc:sldChg>
-      <pc:sldChg chg="del">
-        <pc:chgData name="Long B Nguyen" userId="f59fb8f3-a021-417a-8bc1-65c8d471c621" providerId="ADAL" clId="{AA9102B5-DACA-D841-B260-AEEBF90FC60A}" dt="2020-01-05T22:05:52.483" v="41" actId="2696"/>
-        <pc:sldMkLst>
-          <pc:docMk/>
-          <pc:sldMk cId="1438711869" sldId="284"/>
-        </pc:sldMkLst>
-      </pc:sldChg>
-      <pc:sldChg chg="del">
-        <pc:chgData name="Long B Nguyen" userId="f59fb8f3-a021-417a-8bc1-65c8d471c621" providerId="ADAL" clId="{AA9102B5-DACA-D841-B260-AEEBF90FC60A}" dt="2020-01-05T22:05:52.199" v="24" actId="2696"/>
-        <pc:sldMkLst>
-          <pc:docMk/>
-          <pc:sldMk cId="131840209" sldId="286"/>
-        </pc:sldMkLst>
-      </pc:sldChg>
-      <pc:sldChg chg="del">
-        <pc:chgData name="Long B Nguyen" userId="f59fb8f3-a021-417a-8bc1-65c8d471c621" providerId="ADAL" clId="{AA9102B5-DACA-D841-B260-AEEBF90FC60A}" dt="2020-01-05T22:05:52.214" v="25" actId="2696"/>
-        <pc:sldMkLst>
-          <pc:docMk/>
-          <pc:sldMk cId="1816941262" sldId="295"/>
-        </pc:sldMkLst>
-      </pc:sldChg>
-      <pc:sldChg chg="del">
-        <pc:chgData name="Long B Nguyen" userId="f59fb8f3-a021-417a-8bc1-65c8d471c621" providerId="ADAL" clId="{AA9102B5-DACA-D841-B260-AEEBF90FC60A}" dt="2020-01-05T22:05:52.246" v="27" actId="2696"/>
-        <pc:sldMkLst>
-          <pc:docMk/>
-          <pc:sldMk cId="553003360" sldId="296"/>
-        </pc:sldMkLst>
-      </pc:sldChg>
-      <pc:sldChg chg="del">
-        <pc:chgData name="Long B Nguyen" userId="f59fb8f3-a021-417a-8bc1-65c8d471c621" providerId="ADAL" clId="{AA9102B5-DACA-D841-B260-AEEBF90FC60A}" dt="2020-01-05T22:05:52.268" v="28" actId="2696"/>
-        <pc:sldMkLst>
-          <pc:docMk/>
-          <pc:sldMk cId="3006175481" sldId="297"/>
-        </pc:sldMkLst>
-      </pc:sldChg>
-      <pc:sldChg chg="del">
-        <pc:chgData name="Long B Nguyen" userId="f59fb8f3-a021-417a-8bc1-65c8d471c621" providerId="ADAL" clId="{AA9102B5-DACA-D841-B260-AEEBF90FC60A}" dt="2020-01-05T22:05:52.287" v="29" actId="2696"/>
-        <pc:sldMkLst>
-          <pc:docMk/>
-          <pc:sldMk cId="3150557076" sldId="298"/>
-        </pc:sldMkLst>
-      </pc:sldChg>
-      <pc:sldChg chg="del">
-        <pc:chgData name="Long B Nguyen" userId="f59fb8f3-a021-417a-8bc1-65c8d471c621" providerId="ADAL" clId="{AA9102B5-DACA-D841-B260-AEEBF90FC60A}" dt="2020-01-05T22:05:52.442" v="38" actId="2696"/>
-        <pc:sldMkLst>
-          <pc:docMk/>
-          <pc:sldMk cId="128704095" sldId="302"/>
-        </pc:sldMkLst>
-      </pc:sldChg>
-      <pc:sldChg chg="del">
-        <pc:chgData name="Long B Nguyen" userId="f59fb8f3-a021-417a-8bc1-65c8d471c621" providerId="ADAL" clId="{AA9102B5-DACA-D841-B260-AEEBF90FC60A}" dt="2020-01-05T22:05:52.305" v="30" actId="2696"/>
-        <pc:sldMkLst>
-          <pc:docMk/>
-          <pc:sldMk cId="3275945509" sldId="303"/>
-        </pc:sldMkLst>
-      </pc:sldChg>
-      <pc:sldChg chg="del">
-        <pc:chgData name="Long B Nguyen" userId="f59fb8f3-a021-417a-8bc1-65c8d471c621" providerId="ADAL" clId="{AA9102B5-DACA-D841-B260-AEEBF90FC60A}" dt="2020-01-05T22:05:52.321" v="31" actId="2696"/>
-        <pc:sldMkLst>
-          <pc:docMk/>
-          <pc:sldMk cId="406772024" sldId="304"/>
-        </pc:sldMkLst>
-      </pc:sldChg>
-      <pc:sldChg chg="del">
-        <pc:chgData name="Long B Nguyen" userId="f59fb8f3-a021-417a-8bc1-65c8d471c621" providerId="ADAL" clId="{AA9102B5-DACA-D841-B260-AEEBF90FC60A}" dt="2020-01-05T22:05:52.334" v="32" actId="2696"/>
-        <pc:sldMkLst>
-          <pc:docMk/>
-          <pc:sldMk cId="1703902501" sldId="305"/>
-        </pc:sldMkLst>
-      </pc:sldChg>
-      <pc:sldChg chg="del">
-        <pc:chgData name="Long B Nguyen" userId="f59fb8f3-a021-417a-8bc1-65c8d471c621" providerId="ADAL" clId="{AA9102B5-DACA-D841-B260-AEEBF90FC60A}" dt="2020-01-05T22:05:52.461" v="39" actId="2696"/>
-        <pc:sldMkLst>
-          <pc:docMk/>
-          <pc:sldMk cId="3614829039" sldId="306"/>
-        </pc:sldMkLst>
-      </pc:sldChg>
-      <pc:sldChg chg="del">
-        <pc:chgData name="Long B Nguyen" userId="f59fb8f3-a021-417a-8bc1-65c8d471c621" providerId="ADAL" clId="{AA9102B5-DACA-D841-B260-AEEBF90FC60A}" dt="2020-01-05T22:05:52.471" v="40" actId="2696"/>
-        <pc:sldMkLst>
-          <pc:docMk/>
-          <pc:sldMk cId="295911327" sldId="307"/>
-        </pc:sldMkLst>
-      </pc:sldChg>
-      <pc:sldChg chg="del">
-        <pc:chgData name="Long B Nguyen" userId="f59fb8f3-a021-417a-8bc1-65c8d471c621" providerId="ADAL" clId="{AA9102B5-DACA-D841-B260-AEEBF90FC60A}" dt="2020-01-05T22:05:52.353" v="33" actId="2696"/>
-        <pc:sldMkLst>
-          <pc:docMk/>
-          <pc:sldMk cId="67957925" sldId="308"/>
-        </pc:sldMkLst>
-      </pc:sldChg>
-      <pc:sldChg chg="del">
-        <pc:chgData name="Long B Nguyen" userId="f59fb8f3-a021-417a-8bc1-65c8d471c621" providerId="ADAL" clId="{AA9102B5-DACA-D841-B260-AEEBF90FC60A}" dt="2020-01-05T22:05:52.365" v="34" actId="2696"/>
-        <pc:sldMkLst>
-          <pc:docMk/>
-          <pc:sldMk cId="1872435103" sldId="309"/>
-        </pc:sldMkLst>
-      </pc:sldChg>
-      <pc:sldChg chg="del">
-        <pc:chgData name="Long B Nguyen" userId="f59fb8f3-a021-417a-8bc1-65c8d471c621" providerId="ADAL" clId="{AA9102B5-DACA-D841-B260-AEEBF90FC60A}" dt="2020-01-05T22:05:52.385" v="35" actId="2696"/>
-        <pc:sldMkLst>
-          <pc:docMk/>
-          <pc:sldMk cId="4088965571" sldId="310"/>
-        </pc:sldMkLst>
-      </pc:sldChg>
-      <pc:sldChg chg="del">
-        <pc:chgData name="Long B Nguyen" userId="f59fb8f3-a021-417a-8bc1-65c8d471c621" providerId="ADAL" clId="{AA9102B5-DACA-D841-B260-AEEBF90FC60A}" dt="2020-01-05T22:05:52.404" v="36" actId="2696"/>
-        <pc:sldMkLst>
-          <pc:docMk/>
-          <pc:sldMk cId="2255846137" sldId="311"/>
-        </pc:sldMkLst>
-      </pc:sldChg>
-      <pc:sldChg chg="del">
-        <pc:chgData name="Long B Nguyen" userId="f59fb8f3-a021-417a-8bc1-65c8d471c621" providerId="ADAL" clId="{AA9102B5-DACA-D841-B260-AEEBF90FC60A}" dt="2020-01-05T22:05:52.423" v="37" actId="2696"/>
-        <pc:sldMkLst>
-          <pc:docMk/>
-          <pc:sldMk cId="1513627164" sldId="312"/>
-        </pc:sldMkLst>
-      </pc:sldChg>
-      <pc:sldChg chg="del">
-        <pc:chgData name="Long B Nguyen" userId="f59fb8f3-a021-417a-8bc1-65c8d471c621" providerId="ADAL" clId="{AA9102B5-DACA-D841-B260-AEEBF90FC60A}" dt="2020-01-05T22:05:52.231" v="26" actId="2696"/>
-        <pc:sldMkLst>
-          <pc:docMk/>
-          <pc:sldMk cId="2097059918" sldId="313"/>
-        </pc:sldMkLst>
-      </pc:sldChg>
-      <pc:sldChg chg="modSp">
-        <pc:chgData name="Long B Nguyen" userId="f59fb8f3-a021-417a-8bc1-65c8d471c621" providerId="ADAL" clId="{AA9102B5-DACA-D841-B260-AEEBF90FC60A}" dt="2020-01-06T15:37:30.346" v="948" actId="20577"/>
-        <pc:sldMkLst>
-          <pc:docMk/>
-          <pc:sldMk cId="1452600724" sldId="316"/>
-        </pc:sldMkLst>
-        <pc:spChg chg="mod">
-          <ac:chgData name="Long B Nguyen" userId="f59fb8f3-a021-417a-8bc1-65c8d471c621" providerId="ADAL" clId="{AA9102B5-DACA-D841-B260-AEEBF90FC60A}" dt="2020-01-06T15:37:30.346" v="948" actId="20577"/>
-          <ac:spMkLst>
-            <pc:docMk/>
-            <pc:sldMk cId="1452600724" sldId="316"/>
-            <ac:spMk id="9" creationId="{E3B2E017-30B2-884B-A113-B419A2ED51AD}"/>
-          </ac:spMkLst>
-        </pc:spChg>
-      </pc:sldChg>
-      <pc:sldChg chg="del">
-        <pc:chgData name="Long B Nguyen" userId="f59fb8f3-a021-417a-8bc1-65c8d471c621" providerId="ADAL" clId="{AA9102B5-DACA-D841-B260-AEEBF90FC60A}" dt="2020-01-06T15:03:11.354" v="848" actId="2696"/>
-        <pc:sldMkLst>
-          <pc:docMk/>
-          <pc:sldMk cId="1787114790" sldId="317"/>
-        </pc:sldMkLst>
-      </pc:sldChg>
-      <pc:sldChg chg="del">
-        <pc:chgData name="Long B Nguyen" userId="f59fb8f3-a021-417a-8bc1-65c8d471c621" providerId="ADAL" clId="{AA9102B5-DACA-D841-B260-AEEBF90FC60A}" dt="2020-01-05T22:06:12.101" v="42" actId="2696"/>
-        <pc:sldMkLst>
-          <pc:docMk/>
-          <pc:sldMk cId="1215229427" sldId="318"/>
-        </pc:sldMkLst>
-      </pc:sldChg>
-      <pc:sldChg chg="modSp">
-        <pc:chgData name="Long B Nguyen" userId="f59fb8f3-a021-417a-8bc1-65c8d471c621" providerId="ADAL" clId="{AA9102B5-DACA-D841-B260-AEEBF90FC60A}" dt="2020-01-06T01:48:03.413" v="110" actId="20577"/>
+      <pc:sldChg chg="modSp add modAnim">
+        <pc:chgData name="Long B Nguyen" userId="f59fb8f3-a021-417a-8bc1-65c8d471c621" providerId="ADAL" clId="{CC9C9D9A-5149-2947-86C0-576F501F60DC}" dt="2020-01-04T15:49:37.373" v="563" actId="20577"/>
         <pc:sldMkLst>
           <pc:docMk/>
           <pc:sldMk cId="924617162" sldId="319"/>
         </pc:sldMkLst>
         <pc:spChg chg="mod">
-          <ac:chgData name="Long B Nguyen" userId="f59fb8f3-a021-417a-8bc1-65c8d471c621" providerId="ADAL" clId="{AA9102B5-DACA-D841-B260-AEEBF90FC60A}" dt="2020-01-06T01:48:03.413" v="110" actId="20577"/>
+          <ac:chgData name="Long B Nguyen" userId="f59fb8f3-a021-417a-8bc1-65c8d471c621" providerId="ADAL" clId="{CC9C9D9A-5149-2947-86C0-576F501F60DC}" dt="2020-01-04T15:45:14.876" v="4" actId="20577"/>
+          <ac:spMkLst>
+            <pc:docMk/>
+            <pc:sldMk cId="924617162" sldId="319"/>
+            <ac:spMk id="2" creationId="{AA3A228F-61D0-D949-A5E7-F83756230BF8}"/>
+          </ac:spMkLst>
+        </pc:spChg>
+        <pc:spChg chg="mod">
+          <ac:chgData name="Long B Nguyen" userId="f59fb8f3-a021-417a-8bc1-65c8d471c621" providerId="ADAL" clId="{CC9C9D9A-5149-2947-86C0-576F501F60DC}" dt="2020-01-04T15:49:37.373" v="563" actId="20577"/>
           <ac:spMkLst>
             <pc:docMk/>
             <pc:sldMk cId="924617162" sldId="319"/>
@@ -634,14 +439,98 @@
           </ac:spMkLst>
         </pc:spChg>
       </pc:sldChg>
-      <pc:sldChg chg="modSp">
-        <pc:chgData name="Long B Nguyen" userId="f59fb8f3-a021-417a-8bc1-65c8d471c621" providerId="ADAL" clId="{AA9102B5-DACA-D841-B260-AEEBF90FC60A}" dt="2020-01-06T01:56:11.549" v="712" actId="1076"/>
+      <pc:sldChg chg="modSp add">
+        <pc:chgData name="Long B Nguyen" userId="f59fb8f3-a021-417a-8bc1-65c8d471c621" providerId="ADAL" clId="{CC9C9D9A-5149-2947-86C0-576F501F60DC}" dt="2020-01-04T15:57:55.835" v="789" actId="14100"/>
+        <pc:sldMkLst>
+          <pc:docMk/>
+          <pc:sldMk cId="3758830494" sldId="320"/>
+        </pc:sldMkLst>
+        <pc:spChg chg="mod">
+          <ac:chgData name="Long B Nguyen" userId="f59fb8f3-a021-417a-8bc1-65c8d471c621" providerId="ADAL" clId="{CC9C9D9A-5149-2947-86C0-576F501F60DC}" dt="2020-01-04T15:57:52.065" v="788" actId="1076"/>
+          <ac:spMkLst>
+            <pc:docMk/>
+            <pc:sldMk cId="3758830494" sldId="320"/>
+            <ac:spMk id="2" creationId="{AA3A228F-61D0-D949-A5E7-F83756230BF8}"/>
+          </ac:spMkLst>
+        </pc:spChg>
+        <pc:spChg chg="mod">
+          <ac:chgData name="Long B Nguyen" userId="f59fb8f3-a021-417a-8bc1-65c8d471c621" providerId="ADAL" clId="{CC9C9D9A-5149-2947-86C0-576F501F60DC}" dt="2020-01-04T15:57:55.835" v="789" actId="14100"/>
+          <ac:spMkLst>
+            <pc:docMk/>
+            <pc:sldMk cId="3758830494" sldId="320"/>
+            <ac:spMk id="9" creationId="{E3B2E017-30B2-884B-A113-B419A2ED51AD}"/>
+          </ac:spMkLst>
+        </pc:spChg>
+      </pc:sldChg>
+      <pc:sldChg chg="modSp add">
+        <pc:chgData name="Long B Nguyen" userId="f59fb8f3-a021-417a-8bc1-65c8d471c621" providerId="ADAL" clId="{CC9C9D9A-5149-2947-86C0-576F501F60DC}" dt="2020-01-05T21:51:37.442" v="2325" actId="20577"/>
+        <pc:sldMkLst>
+          <pc:docMk/>
+          <pc:sldMk cId="1022945305" sldId="321"/>
+        </pc:sldMkLst>
+        <pc:spChg chg="mod">
+          <ac:chgData name="Long B Nguyen" userId="f59fb8f3-a021-417a-8bc1-65c8d471c621" providerId="ADAL" clId="{CC9C9D9A-5149-2947-86C0-576F501F60DC}" dt="2020-01-05T21:51:37.442" v="2325" actId="20577"/>
+          <ac:spMkLst>
+            <pc:docMk/>
+            <pc:sldMk cId="1022945305" sldId="321"/>
+            <ac:spMk id="2" creationId="{AA3A228F-61D0-D949-A5E7-F83756230BF8}"/>
+          </ac:spMkLst>
+        </pc:spChg>
+        <pc:spChg chg="mod">
+          <ac:chgData name="Long B Nguyen" userId="f59fb8f3-a021-417a-8bc1-65c8d471c621" providerId="ADAL" clId="{CC9C9D9A-5149-2947-86C0-576F501F60DC}" dt="2020-01-05T21:33:21.485" v="2304" actId="20577"/>
+          <ac:spMkLst>
+            <pc:docMk/>
+            <pc:sldMk cId="1022945305" sldId="321"/>
+            <ac:spMk id="9" creationId="{E3B2E017-30B2-884B-A113-B419A2ED51AD}"/>
+          </ac:spMkLst>
+        </pc:spChg>
+      </pc:sldChg>
+      <pc:sldChg chg="modSp add">
+        <pc:chgData name="Long B Nguyen" userId="f59fb8f3-a021-417a-8bc1-65c8d471c621" providerId="ADAL" clId="{CC9C9D9A-5149-2947-86C0-576F501F60DC}" dt="2020-01-04T17:41:57.489" v="1203" actId="20577"/>
+        <pc:sldMkLst>
+          <pc:docMk/>
+          <pc:sldMk cId="3456840474" sldId="322"/>
+        </pc:sldMkLst>
+        <pc:spChg chg="mod">
+          <ac:chgData name="Long B Nguyen" userId="f59fb8f3-a021-417a-8bc1-65c8d471c621" providerId="ADAL" clId="{CC9C9D9A-5149-2947-86C0-576F501F60DC}" dt="2020-01-04T17:41:57.489" v="1203" actId="20577"/>
+          <ac:spMkLst>
+            <pc:docMk/>
+            <pc:sldMk cId="3456840474" sldId="322"/>
+            <ac:spMk id="9" creationId="{E3B2E017-30B2-884B-A113-B419A2ED51AD}"/>
+          </ac:spMkLst>
+        </pc:spChg>
+      </pc:sldChg>
+      <pc:sldChg chg="modSp add">
+        <pc:chgData name="Long B Nguyen" userId="f59fb8f3-a021-417a-8bc1-65c8d471c621" providerId="ADAL" clId="{CC9C9D9A-5149-2947-86C0-576F501F60DC}" dt="2020-01-04T18:38:26.241" v="1214" actId="113"/>
+        <pc:sldMkLst>
+          <pc:docMk/>
+          <pc:sldMk cId="1062075874" sldId="323"/>
+        </pc:sldMkLst>
+        <pc:spChg chg="mod">
+          <ac:chgData name="Long B Nguyen" userId="f59fb8f3-a021-417a-8bc1-65c8d471c621" providerId="ADAL" clId="{CC9C9D9A-5149-2947-86C0-576F501F60DC}" dt="2020-01-04T18:38:26.241" v="1214" actId="113"/>
+          <ac:spMkLst>
+            <pc:docMk/>
+            <pc:sldMk cId="1062075874" sldId="323"/>
+            <ac:spMk id="9" creationId="{E3B2E017-30B2-884B-A113-B419A2ED51AD}"/>
+          </ac:spMkLst>
+        </pc:spChg>
+      </pc:sldChg>
+      <pc:sldChg chg="modSp add">
+        <pc:chgData name="Long B Nguyen" userId="f59fb8f3-a021-417a-8bc1-65c8d471c621" providerId="ADAL" clId="{CC9C9D9A-5149-2947-86C0-576F501F60DC}" dt="2020-01-04T20:58:36.932" v="1972" actId="20577"/>
         <pc:sldMkLst>
           <pc:docMk/>
           <pc:sldMk cId="1310010799" sldId="324"/>
         </pc:sldMkLst>
         <pc:spChg chg="mod">
-          <ac:chgData name="Long B Nguyen" userId="f59fb8f3-a021-417a-8bc1-65c8d471c621" providerId="ADAL" clId="{AA9102B5-DACA-D841-B260-AEEBF90FC60A}" dt="2020-01-06T01:56:11.549" v="712" actId="1076"/>
+          <ac:chgData name="Long B Nguyen" userId="f59fb8f3-a021-417a-8bc1-65c8d471c621" providerId="ADAL" clId="{CC9C9D9A-5149-2947-86C0-576F501F60DC}" dt="2020-01-04T20:55:25.731" v="1962" actId="1076"/>
+          <ac:spMkLst>
+            <pc:docMk/>
+            <pc:sldMk cId="1310010799" sldId="324"/>
+            <ac:spMk id="2" creationId="{AA3A228F-61D0-D949-A5E7-F83756230BF8}"/>
+          </ac:spMkLst>
+        </pc:spChg>
+        <pc:spChg chg="mod">
+          <ac:chgData name="Long B Nguyen" userId="f59fb8f3-a021-417a-8bc1-65c8d471c621" providerId="ADAL" clId="{CC9C9D9A-5149-2947-86C0-576F501F60DC}" dt="2020-01-04T20:58:36.932" v="1972" actId="20577"/>
           <ac:spMkLst>
             <pc:docMk/>
             <pc:sldMk cId="1310010799" sldId="324"/>
@@ -649,14 +538,14 @@
           </ac:spMkLst>
         </pc:spChg>
       </pc:sldChg>
-      <pc:sldChg chg="modSp">
-        <pc:chgData name="Long B Nguyen" userId="f59fb8f3-a021-417a-8bc1-65c8d471c621" providerId="ADAL" clId="{AA9102B5-DACA-D841-B260-AEEBF90FC60A}" dt="2020-01-06T15:35:11.658" v="853" actId="20577"/>
+      <pc:sldChg chg="modSp add">
+        <pc:chgData name="Long B Nguyen" userId="f59fb8f3-a021-417a-8bc1-65c8d471c621" providerId="ADAL" clId="{CC9C9D9A-5149-2947-86C0-576F501F60DC}" dt="2020-01-05T21:27:04.952" v="2119" actId="20577"/>
         <pc:sldMkLst>
           <pc:docMk/>
           <pc:sldMk cId="3314372952" sldId="325"/>
         </pc:sldMkLst>
         <pc:spChg chg="mod">
-          <ac:chgData name="Long B Nguyen" userId="f59fb8f3-a021-417a-8bc1-65c8d471c621" providerId="ADAL" clId="{AA9102B5-DACA-D841-B260-AEEBF90FC60A}" dt="2020-01-06T15:35:11.658" v="853" actId="20577"/>
+          <ac:chgData name="Long B Nguyen" userId="f59fb8f3-a021-417a-8bc1-65c8d471c621" providerId="ADAL" clId="{CC9C9D9A-5149-2947-86C0-576F501F60DC}" dt="2020-01-05T21:26:41.210" v="2114" actId="20577"/>
           <ac:spMkLst>
             <pc:docMk/>
             <pc:sldMk cId="3314372952" sldId="325"/>
@@ -664,7 +553,7 @@
           </ac:spMkLst>
         </pc:spChg>
         <pc:spChg chg="mod">
-          <ac:chgData name="Long B Nguyen" userId="f59fb8f3-a021-417a-8bc1-65c8d471c621" providerId="ADAL" clId="{AA9102B5-DACA-D841-B260-AEEBF90FC60A}" dt="2020-01-06T15:02:45.351" v="846" actId="20577"/>
+          <ac:chgData name="Long B Nguyen" userId="f59fb8f3-a021-417a-8bc1-65c8d471c621" providerId="ADAL" clId="{CC9C9D9A-5149-2947-86C0-576F501F60DC}" dt="2020-01-05T21:27:04.952" v="2119" actId="20577"/>
           <ac:spMkLst>
             <pc:docMk/>
             <pc:sldMk cId="3314372952" sldId="325"/>
@@ -672,518 +561,70 @@
           </ac:spMkLst>
         </pc:spChg>
       </pc:sldChg>
-      <pc:sldChg chg="del">
-        <pc:chgData name="Long B Nguyen" userId="f59fb8f3-a021-417a-8bc1-65c8d471c621" providerId="ADAL" clId="{AA9102B5-DACA-D841-B260-AEEBF90FC60A}" dt="2020-01-06T15:03:07.580" v="847" actId="2696"/>
+      <pc:sldChg chg="modSp add">
+        <pc:chgData name="Long B Nguyen" userId="f59fb8f3-a021-417a-8bc1-65c8d471c621" providerId="ADAL" clId="{CC9C9D9A-5149-2947-86C0-576F501F60DC}" dt="2020-01-05T21:29:58.563" v="2178" actId="20577"/>
         <pc:sldMkLst>
           <pc:docMk/>
           <pc:sldMk cId="3117943122" sldId="326"/>
         </pc:sldMkLst>
-      </pc:sldChg>
-      <pc:sldChg chg="del">
-        <pc:chgData name="Long B Nguyen" userId="f59fb8f3-a021-417a-8bc1-65c8d471c621" providerId="ADAL" clId="{AA9102B5-DACA-D841-B260-AEEBF90FC60A}" dt="2020-01-06T01:49:27.456" v="111" actId="2696"/>
-        <pc:sldMkLst>
-          <pc:docMk/>
-          <pc:sldMk cId="1025618360" sldId="327"/>
-        </pc:sldMkLst>
-      </pc:sldChg>
-      <pc:sldChg chg="modSp add">
-        <pc:chgData name="Long B Nguyen" userId="f59fb8f3-a021-417a-8bc1-65c8d471c621" providerId="ADAL" clId="{AA9102B5-DACA-D841-B260-AEEBF90FC60A}" dt="2020-01-06T15:00:48.763" v="818" actId="113"/>
-        <pc:sldMkLst>
-          <pc:docMk/>
-          <pc:sldMk cId="1724104636" sldId="327"/>
-        </pc:sldMkLst>
         <pc:spChg chg="mod">
-          <ac:chgData name="Long B Nguyen" userId="f59fb8f3-a021-417a-8bc1-65c8d471c621" providerId="ADAL" clId="{AA9102B5-DACA-D841-B260-AEEBF90FC60A}" dt="2020-01-06T15:00:48.763" v="818" actId="113"/>
+          <ac:chgData name="Long B Nguyen" userId="f59fb8f3-a021-417a-8bc1-65c8d471c621" providerId="ADAL" clId="{CC9C9D9A-5149-2947-86C0-576F501F60DC}" dt="2020-01-05T21:29:58.563" v="2178" actId="20577"/>
           <ac:spMkLst>
             <pc:docMk/>
-            <pc:sldMk cId="1724104636" sldId="327"/>
-            <ac:spMk id="9" creationId="{E3B2E017-30B2-884B-A113-B419A2ED51AD}"/>
-          </ac:spMkLst>
-        </pc:spChg>
-      </pc:sldChg>
-      <pc:sldChg chg="modSp">
-        <pc:chgData name="Long B Nguyen" userId="f59fb8f3-a021-417a-8bc1-65c8d471c621" providerId="ADAL" clId="{AA9102B5-DACA-D841-B260-AEEBF90FC60A}" dt="2020-01-06T01:55:34.369" v="708" actId="20577"/>
-        <pc:sldMkLst>
-          <pc:docMk/>
-          <pc:sldMk cId="4294143140" sldId="329"/>
-        </pc:sldMkLst>
-        <pc:spChg chg="mod">
-          <ac:chgData name="Long B Nguyen" userId="f59fb8f3-a021-417a-8bc1-65c8d471c621" providerId="ADAL" clId="{AA9102B5-DACA-D841-B260-AEEBF90FC60A}" dt="2020-01-06T01:55:34.369" v="708" actId="20577"/>
-          <ac:spMkLst>
-            <pc:docMk/>
-            <pc:sldMk cId="4294143140" sldId="329"/>
+            <pc:sldMk cId="3117943122" sldId="326"/>
             <ac:spMk id="9" creationId="{E3B2E017-30B2-884B-A113-B419A2ED51AD}"/>
           </ac:spMkLst>
         </pc:spChg>
       </pc:sldChg>
       <pc:sldChg chg="modSp add">
-        <pc:chgData name="Long B Nguyen" userId="f59fb8f3-a021-417a-8bc1-65c8d471c621" providerId="ADAL" clId="{AA9102B5-DACA-D841-B260-AEEBF90FC60A}" dt="2020-01-06T15:01:01.638" v="819" actId="2711"/>
+        <pc:chgData name="Long B Nguyen" userId="f59fb8f3-a021-417a-8bc1-65c8d471c621" providerId="ADAL" clId="{CC9C9D9A-5149-2947-86C0-576F501F60DC}" dt="2020-01-05T21:59:55.597" v="2392" actId="14100"/>
         <pc:sldMkLst>
           <pc:docMk/>
-          <pc:sldMk cId="3594730708" sldId="330"/>
+          <pc:sldMk cId="1025618360" sldId="327"/>
         </pc:sldMkLst>
         <pc:spChg chg="mod">
-          <ac:chgData name="Long B Nguyen" userId="f59fb8f3-a021-417a-8bc1-65c8d471c621" providerId="ADAL" clId="{AA9102B5-DACA-D841-B260-AEEBF90FC60A}" dt="2020-01-06T15:01:01.638" v="819" actId="2711"/>
+          <ac:chgData name="Long B Nguyen" userId="f59fb8f3-a021-417a-8bc1-65c8d471c621" providerId="ADAL" clId="{CC9C9D9A-5149-2947-86C0-576F501F60DC}" dt="2020-01-05T21:59:55.597" v="2392" actId="14100"/>
           <ac:spMkLst>
             <pc:docMk/>
-            <pc:sldMk cId="3594730708" sldId="330"/>
+            <pc:sldMk cId="1025618360" sldId="327"/>
             <ac:spMk id="9" creationId="{E3B2E017-30B2-884B-A113-B419A2ED51AD}"/>
           </ac:spMkLst>
         </pc:spChg>
       </pc:sldChg>
       <pc:sldChg chg="modSp add">
-        <pc:chgData name="Long B Nguyen" userId="f59fb8f3-a021-417a-8bc1-65c8d471c621" providerId="ADAL" clId="{AA9102B5-DACA-D841-B260-AEEBF90FC60A}" dt="2020-01-06T02:00:17.493" v="815" actId="255"/>
+        <pc:chgData name="Long B Nguyen" userId="f59fb8f3-a021-417a-8bc1-65c8d471c621" providerId="ADAL" clId="{CC9C9D9A-5149-2947-86C0-576F501F60DC}" dt="2020-01-05T21:54:47.081" v="2356" actId="2711"/>
         <pc:sldMkLst>
           <pc:docMk/>
-          <pc:sldMk cId="3870816631" sldId="331"/>
+          <pc:sldMk cId="3894299887" sldId="328"/>
         </pc:sldMkLst>
         <pc:spChg chg="mod">
-          <ac:chgData name="Long B Nguyen" userId="f59fb8f3-a021-417a-8bc1-65c8d471c621" providerId="ADAL" clId="{AA9102B5-DACA-D841-B260-AEEBF90FC60A}" dt="2020-01-06T02:00:17.493" v="815" actId="255"/>
+          <ac:chgData name="Long B Nguyen" userId="f59fb8f3-a021-417a-8bc1-65c8d471c621" providerId="ADAL" clId="{CC9C9D9A-5149-2947-86C0-576F501F60DC}" dt="2020-01-05T21:51:41.306" v="2327" actId="20577"/>
           <ac:spMkLst>
             <pc:docMk/>
-            <pc:sldMk cId="3870816631" sldId="331"/>
+            <pc:sldMk cId="3894299887" sldId="328"/>
+            <ac:spMk id="2" creationId="{AA3A228F-61D0-D949-A5E7-F83756230BF8}"/>
+          </ac:spMkLst>
+        </pc:spChg>
+        <pc:spChg chg="mod">
+          <ac:chgData name="Long B Nguyen" userId="f59fb8f3-a021-417a-8bc1-65c8d471c621" providerId="ADAL" clId="{CC9C9D9A-5149-2947-86C0-576F501F60DC}" dt="2020-01-05T21:54:47.081" v="2356" actId="2711"/>
+          <ac:spMkLst>
+            <pc:docMk/>
+            <pc:sldMk cId="3894299887" sldId="328"/>
             <ac:spMk id="9" creationId="{E3B2E017-30B2-884B-A113-B419A2ED51AD}"/>
           </ac:spMkLst>
         </pc:spChg>
       </pc:sldChg>
-      <pc:sldChg chg="modSp add">
-        <pc:chgData name="Long B Nguyen" userId="f59fb8f3-a021-417a-8bc1-65c8d471c621" providerId="ADAL" clId="{AA9102B5-DACA-D841-B260-AEEBF90FC60A}" dt="2020-01-06T17:07:10.515" v="1519" actId="2711"/>
+      <pc:sldChg chg="add">
+        <pc:chgData name="Long B Nguyen" userId="f59fb8f3-a021-417a-8bc1-65c8d471c621" providerId="ADAL" clId="{CC9C9D9A-5149-2947-86C0-576F501F60DC}" dt="2020-01-05T21:57:38.736" v="2357"/>
         <pc:sldMkLst>
           <pc:docMk/>
-          <pc:sldMk cId="3124353102" sldId="332"/>
+          <pc:sldMk cId="4294143140" sldId="329"/>
         </pc:sldMkLst>
-        <pc:spChg chg="mod">
-          <ac:chgData name="Long B Nguyen" userId="f59fb8f3-a021-417a-8bc1-65c8d471c621" providerId="ADAL" clId="{AA9102B5-DACA-D841-B260-AEEBF90FC60A}" dt="2020-01-06T17:03:36.721" v="1332" actId="20577"/>
-          <ac:spMkLst>
-            <pc:docMk/>
-            <pc:sldMk cId="3124353102" sldId="332"/>
-            <ac:spMk id="2" creationId="{AA3A228F-61D0-D949-A5E7-F83756230BF8}"/>
-          </ac:spMkLst>
-        </pc:spChg>
-        <pc:spChg chg="mod">
-          <ac:chgData name="Long B Nguyen" userId="f59fb8f3-a021-417a-8bc1-65c8d471c621" providerId="ADAL" clId="{AA9102B5-DACA-D841-B260-AEEBF90FC60A}" dt="2020-01-06T17:07:10.515" v="1519" actId="2711"/>
-          <ac:spMkLst>
-            <pc:docMk/>
-            <pc:sldMk cId="3124353102" sldId="332"/>
-            <ac:spMk id="9" creationId="{E3B2E017-30B2-884B-A113-B419A2ED51AD}"/>
-          </ac:spMkLst>
-        </pc:spChg>
       </pc:sldChg>
     </pc:docChg>
   </pc:docChgLst>
   <pc:docChgLst>
     <pc:chgData name="Long B Nguyen" userId="f59fb8f3-a021-417a-8bc1-65c8d471c621" providerId="ADAL" clId="{359527BD-9D28-FA41-9B76-D4C412CACD55}"/>
-  </pc:docChgLst>
-  <pc:docChgLst>
-    <pc:chgData name="Long B Nguyen" userId="f59fb8f3-a021-417a-8bc1-65c8d471c621" providerId="ADAL" clId="{6AC26564-89E3-E046-BFB4-F80582D7E17B}"/>
-    <pc:docChg chg="custSel addSld delSld modSld">
-      <pc:chgData name="Long B Nguyen" userId="f59fb8f3-a021-417a-8bc1-65c8d471c621" providerId="ADAL" clId="{6AC26564-89E3-E046-BFB4-F80582D7E17B}" dt="2020-01-13T13:46:56.810" v="92" actId="2696"/>
-      <pc:docMkLst>
-        <pc:docMk/>
-      </pc:docMkLst>
-      <pc:sldChg chg="modSp">
-        <pc:chgData name="Long B Nguyen" userId="f59fb8f3-a021-417a-8bc1-65c8d471c621" providerId="ADAL" clId="{6AC26564-89E3-E046-BFB4-F80582D7E17B}" dt="2020-01-13T13:44:20.464" v="85" actId="20577"/>
-        <pc:sldMkLst>
-          <pc:docMk/>
-          <pc:sldMk cId="4247104139" sldId="256"/>
-        </pc:sldMkLst>
-        <pc:spChg chg="mod">
-          <ac:chgData name="Long B Nguyen" userId="f59fb8f3-a021-417a-8bc1-65c8d471c621" providerId="ADAL" clId="{6AC26564-89E3-E046-BFB4-F80582D7E17B}" dt="2020-01-13T13:43:45.441" v="40" actId="20577"/>
-          <ac:spMkLst>
-            <pc:docMk/>
-            <pc:sldMk cId="4247104139" sldId="256"/>
-            <ac:spMk id="2" creationId="{6117A749-B1BA-E24B-8FB0-0604EF651FB3}"/>
-          </ac:spMkLst>
-        </pc:spChg>
-        <pc:spChg chg="mod">
-          <ac:chgData name="Long B Nguyen" userId="f59fb8f3-a021-417a-8bc1-65c8d471c621" providerId="ADAL" clId="{6AC26564-89E3-E046-BFB4-F80582D7E17B}" dt="2020-01-13T13:44:20.464" v="85" actId="20577"/>
-          <ac:spMkLst>
-            <pc:docMk/>
-            <pc:sldMk cId="4247104139" sldId="256"/>
-            <ac:spMk id="3" creationId="{1BDC47C8-6776-7B44-9CD4-95FC91452D62}"/>
-          </ac:spMkLst>
-        </pc:spChg>
-      </pc:sldChg>
-      <pc:sldChg chg="add del">
-        <pc:chgData name="Long B Nguyen" userId="f59fb8f3-a021-417a-8bc1-65c8d471c621" providerId="ADAL" clId="{6AC26564-89E3-E046-BFB4-F80582D7E17B}" dt="2020-01-13T13:46:54.924" v="89" actId="2696"/>
-        <pc:sldMkLst>
-          <pc:docMk/>
-          <pc:sldMk cId="2869331202" sldId="257"/>
-        </pc:sldMkLst>
-      </pc:sldChg>
-      <pc:sldChg chg="add">
-        <pc:chgData name="Long B Nguyen" userId="f59fb8f3-a021-417a-8bc1-65c8d471c621" providerId="ADAL" clId="{6AC26564-89E3-E046-BFB4-F80582D7E17B}" dt="2020-01-13T13:43:29.420" v="22"/>
-        <pc:sldMkLst>
-          <pc:docMk/>
-          <pc:sldMk cId="1758448129" sldId="309"/>
-        </pc:sldMkLst>
-      </pc:sldChg>
-      <pc:sldChg chg="modSp add del">
-        <pc:chgData name="Long B Nguyen" userId="f59fb8f3-a021-417a-8bc1-65c8d471c621" providerId="ADAL" clId="{6AC26564-89E3-E046-BFB4-F80582D7E17B}" dt="2020-01-13T13:46:55.484" v="90" actId="2696"/>
-        <pc:sldMkLst>
-          <pc:docMk/>
-          <pc:sldMk cId="174202529" sldId="310"/>
-        </pc:sldMkLst>
-        <pc:spChg chg="mod">
-          <ac:chgData name="Long B Nguyen" userId="f59fb8f3-a021-417a-8bc1-65c8d471c621" providerId="ADAL" clId="{6AC26564-89E3-E046-BFB4-F80582D7E17B}" dt="2020-01-13T13:44:35.816" v="86" actId="20577"/>
-          <ac:spMkLst>
-            <pc:docMk/>
-            <pc:sldMk cId="174202529" sldId="310"/>
-            <ac:spMk id="18434" creationId="{72F3E48A-CDFA-CE46-B991-D35BF55EC8E6}"/>
-          </ac:spMkLst>
-        </pc:spChg>
-      </pc:sldChg>
-      <pc:sldChg chg="add del">
-        <pc:chgData name="Long B Nguyen" userId="f59fb8f3-a021-417a-8bc1-65c8d471c621" providerId="ADAL" clId="{6AC26564-89E3-E046-BFB4-F80582D7E17B}" dt="2020-01-13T13:46:56.092" v="91" actId="2696"/>
-        <pc:sldMkLst>
-          <pc:docMk/>
-          <pc:sldMk cId="1098579697" sldId="311"/>
-        </pc:sldMkLst>
-      </pc:sldChg>
-      <pc:sldChg chg="add del">
-        <pc:chgData name="Long B Nguyen" userId="f59fb8f3-a021-417a-8bc1-65c8d471c621" providerId="ADAL" clId="{6AC26564-89E3-E046-BFB4-F80582D7E17B}" dt="2020-01-13T13:46:56.810" v="92" actId="2696"/>
-        <pc:sldMkLst>
-          <pc:docMk/>
-          <pc:sldMk cId="585175195" sldId="312"/>
-        </pc:sldMkLst>
-      </pc:sldChg>
-      <pc:sldChg chg="add">
-        <pc:chgData name="Long B Nguyen" userId="f59fb8f3-a021-417a-8bc1-65c8d471c621" providerId="ADAL" clId="{6AC26564-89E3-E046-BFB4-F80582D7E17B}" dt="2020-01-13T13:43:29.420" v="22"/>
-        <pc:sldMkLst>
-          <pc:docMk/>
-          <pc:sldMk cId="3947558204" sldId="313"/>
-        </pc:sldMkLst>
-      </pc:sldChg>
-      <pc:sldChg chg="add">
-        <pc:chgData name="Long B Nguyen" userId="f59fb8f3-a021-417a-8bc1-65c8d471c621" providerId="ADAL" clId="{6AC26564-89E3-E046-BFB4-F80582D7E17B}" dt="2020-01-13T13:43:29.420" v="22"/>
-        <pc:sldMkLst>
-          <pc:docMk/>
-          <pc:sldMk cId="2054265466" sldId="314"/>
-        </pc:sldMkLst>
-      </pc:sldChg>
-      <pc:sldChg chg="add">
-        <pc:chgData name="Long B Nguyen" userId="f59fb8f3-a021-417a-8bc1-65c8d471c621" providerId="ADAL" clId="{6AC26564-89E3-E046-BFB4-F80582D7E17B}" dt="2020-01-13T13:43:29.420" v="22"/>
-        <pc:sldMkLst>
-          <pc:docMk/>
-          <pc:sldMk cId="917461937" sldId="315"/>
-        </pc:sldMkLst>
-      </pc:sldChg>
-      <pc:sldChg chg="del">
-        <pc:chgData name="Long B Nguyen" userId="f59fb8f3-a021-417a-8bc1-65c8d471c621" providerId="ADAL" clId="{6AC26564-89E3-E046-BFB4-F80582D7E17B}" dt="2020-01-13T13:43:17.195" v="13" actId="2696"/>
-        <pc:sldMkLst>
-          <pc:docMk/>
-          <pc:sldMk cId="1452600724" sldId="316"/>
-        </pc:sldMkLst>
-      </pc:sldChg>
-      <pc:sldChg chg="add">
-        <pc:chgData name="Long B Nguyen" userId="f59fb8f3-a021-417a-8bc1-65c8d471c621" providerId="ADAL" clId="{6AC26564-89E3-E046-BFB4-F80582D7E17B}" dt="2020-01-13T13:43:29.420" v="22"/>
-        <pc:sldMkLst>
-          <pc:docMk/>
-          <pc:sldMk cId="3266234076" sldId="316"/>
-        </pc:sldMkLst>
-      </pc:sldChg>
-      <pc:sldChg chg="add">
-        <pc:chgData name="Long B Nguyen" userId="f59fb8f3-a021-417a-8bc1-65c8d471c621" providerId="ADAL" clId="{6AC26564-89E3-E046-BFB4-F80582D7E17B}" dt="2020-01-13T13:43:29.420" v="22"/>
-        <pc:sldMkLst>
-          <pc:docMk/>
-          <pc:sldMk cId="2886319738" sldId="317"/>
-        </pc:sldMkLst>
-      </pc:sldChg>
-      <pc:sldChg chg="del">
-        <pc:chgData name="Long B Nguyen" userId="f59fb8f3-a021-417a-8bc1-65c8d471c621" providerId="ADAL" clId="{6AC26564-89E3-E046-BFB4-F80582D7E17B}" dt="2020-01-13T13:43:16.993" v="0" actId="2696"/>
-        <pc:sldMkLst>
-          <pc:docMk/>
-          <pc:sldMk cId="924617162" sldId="319"/>
-        </pc:sldMkLst>
-      </pc:sldChg>
-      <pc:sldChg chg="add">
-        <pc:chgData name="Long B Nguyen" userId="f59fb8f3-a021-417a-8bc1-65c8d471c621" providerId="ADAL" clId="{6AC26564-89E3-E046-BFB4-F80582D7E17B}" dt="2020-01-13T13:43:29.420" v="22"/>
-        <pc:sldMkLst>
-          <pc:docMk/>
-          <pc:sldMk cId="3906700287" sldId="319"/>
-        </pc:sldMkLst>
-      </pc:sldChg>
-      <pc:sldChg chg="add">
-        <pc:chgData name="Long B Nguyen" userId="f59fb8f3-a021-417a-8bc1-65c8d471c621" providerId="ADAL" clId="{6AC26564-89E3-E046-BFB4-F80582D7E17B}" dt="2020-01-13T13:43:29.420" v="22"/>
-        <pc:sldMkLst>
-          <pc:docMk/>
-          <pc:sldMk cId="1810541734" sldId="320"/>
-        </pc:sldMkLst>
-      </pc:sldChg>
-      <pc:sldChg chg="del">
-        <pc:chgData name="Long B Nguyen" userId="f59fb8f3-a021-417a-8bc1-65c8d471c621" providerId="ADAL" clId="{6AC26564-89E3-E046-BFB4-F80582D7E17B}" dt="2020-01-13T13:43:17.009" v="1" actId="2696"/>
-        <pc:sldMkLst>
-          <pc:docMk/>
-          <pc:sldMk cId="3758830494" sldId="320"/>
-        </pc:sldMkLst>
-      </pc:sldChg>
-      <pc:sldChg chg="del">
-        <pc:chgData name="Long B Nguyen" userId="f59fb8f3-a021-417a-8bc1-65c8d471c621" providerId="ADAL" clId="{6AC26564-89E3-E046-BFB4-F80582D7E17B}" dt="2020-01-13T13:43:17.029" v="2" actId="2696"/>
-        <pc:sldMkLst>
-          <pc:docMk/>
-          <pc:sldMk cId="1022945305" sldId="321"/>
-        </pc:sldMkLst>
-      </pc:sldChg>
-      <pc:sldChg chg="add">
-        <pc:chgData name="Long B Nguyen" userId="f59fb8f3-a021-417a-8bc1-65c8d471c621" providerId="ADAL" clId="{6AC26564-89E3-E046-BFB4-F80582D7E17B}" dt="2020-01-13T13:43:29.420" v="22"/>
-        <pc:sldMkLst>
-          <pc:docMk/>
-          <pc:sldMk cId="1359731776" sldId="321"/>
-        </pc:sldMkLst>
-      </pc:sldChg>
-      <pc:sldChg chg="del">
-        <pc:chgData name="Long B Nguyen" userId="f59fb8f3-a021-417a-8bc1-65c8d471c621" providerId="ADAL" clId="{6AC26564-89E3-E046-BFB4-F80582D7E17B}" dt="2020-01-13T13:43:17.080" v="5" actId="2696"/>
-        <pc:sldMkLst>
-          <pc:docMk/>
-          <pc:sldMk cId="3456840474" sldId="322"/>
-        </pc:sldMkLst>
-      </pc:sldChg>
-      <pc:sldChg chg="add">
-        <pc:chgData name="Long B Nguyen" userId="f59fb8f3-a021-417a-8bc1-65c8d471c621" providerId="ADAL" clId="{6AC26564-89E3-E046-BFB4-F80582D7E17B}" dt="2020-01-13T13:43:29.420" v="22"/>
-        <pc:sldMkLst>
-          <pc:docMk/>
-          <pc:sldMk cId="3651577480" sldId="322"/>
-        </pc:sldMkLst>
-      </pc:sldChg>
-      <pc:sldChg chg="del">
-        <pc:chgData name="Long B Nguyen" userId="f59fb8f3-a021-417a-8bc1-65c8d471c621" providerId="ADAL" clId="{6AC26564-89E3-E046-BFB4-F80582D7E17B}" dt="2020-01-13T13:43:17.097" v="6" actId="2696"/>
-        <pc:sldMkLst>
-          <pc:docMk/>
-          <pc:sldMk cId="1062075874" sldId="323"/>
-        </pc:sldMkLst>
-      </pc:sldChg>
-      <pc:sldChg chg="add">
-        <pc:chgData name="Long B Nguyen" userId="f59fb8f3-a021-417a-8bc1-65c8d471c621" providerId="ADAL" clId="{6AC26564-89E3-E046-BFB4-F80582D7E17B}" dt="2020-01-13T13:43:29.420" v="22"/>
-        <pc:sldMkLst>
-          <pc:docMk/>
-          <pc:sldMk cId="1496564367" sldId="323"/>
-        </pc:sldMkLst>
-      </pc:sldChg>
-      <pc:sldChg chg="add">
-        <pc:chgData name="Long B Nguyen" userId="f59fb8f3-a021-417a-8bc1-65c8d471c621" providerId="ADAL" clId="{6AC26564-89E3-E046-BFB4-F80582D7E17B}" dt="2020-01-13T13:46:19.952" v="88"/>
-        <pc:sldMkLst>
-          <pc:docMk/>
-          <pc:sldMk cId="771866096" sldId="324"/>
-        </pc:sldMkLst>
-      </pc:sldChg>
-      <pc:sldChg chg="del">
-        <pc:chgData name="Long B Nguyen" userId="f59fb8f3-a021-417a-8bc1-65c8d471c621" providerId="ADAL" clId="{6AC26564-89E3-E046-BFB4-F80582D7E17B}" dt="2020-01-13T13:43:17.152" v="9" actId="2696"/>
-        <pc:sldMkLst>
-          <pc:docMk/>
-          <pc:sldMk cId="1310010799" sldId="324"/>
-        </pc:sldMkLst>
-      </pc:sldChg>
-      <pc:sldChg chg="add del">
-        <pc:chgData name="Long B Nguyen" userId="f59fb8f3-a021-417a-8bc1-65c8d471c621" providerId="ADAL" clId="{6AC26564-89E3-E046-BFB4-F80582D7E17B}" dt="2020-01-13T13:46:07.690" v="87" actId="2696"/>
-        <pc:sldMkLst>
-          <pc:docMk/>
-          <pc:sldMk cId="3999804732" sldId="324"/>
-        </pc:sldMkLst>
-      </pc:sldChg>
-      <pc:sldChg chg="add">
-        <pc:chgData name="Long B Nguyen" userId="f59fb8f3-a021-417a-8bc1-65c8d471c621" providerId="ADAL" clId="{6AC26564-89E3-E046-BFB4-F80582D7E17B}" dt="2020-01-13T13:43:29.420" v="22"/>
-        <pc:sldMkLst>
-          <pc:docMk/>
-          <pc:sldMk cId="1025355635" sldId="325"/>
-        </pc:sldMkLst>
-      </pc:sldChg>
-      <pc:sldChg chg="del">
-        <pc:chgData name="Long B Nguyen" userId="f59fb8f3-a021-417a-8bc1-65c8d471c621" providerId="ADAL" clId="{6AC26564-89E3-E046-BFB4-F80582D7E17B}" dt="2020-01-13T13:43:17.177" v="11" actId="2696"/>
-        <pc:sldMkLst>
-          <pc:docMk/>
-          <pc:sldMk cId="3314372952" sldId="325"/>
-        </pc:sldMkLst>
-      </pc:sldChg>
-      <pc:sldChg chg="del">
-        <pc:chgData name="Long B Nguyen" userId="f59fb8f3-a021-417a-8bc1-65c8d471c621" providerId="ADAL" clId="{6AC26564-89E3-E046-BFB4-F80582D7E17B}" dt="2020-01-13T13:43:17.116" v="7" actId="2696"/>
-        <pc:sldMkLst>
-          <pc:docMk/>
-          <pc:sldMk cId="1724104636" sldId="327"/>
-        </pc:sldMkLst>
-      </pc:sldChg>
-      <pc:sldChg chg="add">
-        <pc:chgData name="Long B Nguyen" userId="f59fb8f3-a021-417a-8bc1-65c8d471c621" providerId="ADAL" clId="{6AC26564-89E3-E046-BFB4-F80582D7E17B}" dt="2020-01-13T13:43:29.420" v="22"/>
-        <pc:sldMkLst>
-          <pc:docMk/>
-          <pc:sldMk cId="4174920299" sldId="327"/>
-        </pc:sldMkLst>
-      </pc:sldChg>
-      <pc:sldChg chg="add">
-        <pc:chgData name="Long B Nguyen" userId="f59fb8f3-a021-417a-8bc1-65c8d471c621" providerId="ADAL" clId="{6AC26564-89E3-E046-BFB4-F80582D7E17B}" dt="2020-01-13T13:43:29.420" v="22"/>
-        <pc:sldMkLst>
-          <pc:docMk/>
-          <pc:sldMk cId="2756462650" sldId="328"/>
-        </pc:sldMkLst>
-      </pc:sldChg>
-      <pc:sldChg chg="del">
-        <pc:chgData name="Long B Nguyen" userId="f59fb8f3-a021-417a-8bc1-65c8d471c621" providerId="ADAL" clId="{6AC26564-89E3-E046-BFB4-F80582D7E17B}" dt="2020-01-13T13:43:17.045" v="3" actId="2696"/>
-        <pc:sldMkLst>
-          <pc:docMk/>
-          <pc:sldMk cId="3894299887" sldId="328"/>
-        </pc:sldMkLst>
-      </pc:sldChg>
-      <pc:sldChg chg="add">
-        <pc:chgData name="Long B Nguyen" userId="f59fb8f3-a021-417a-8bc1-65c8d471c621" providerId="ADAL" clId="{6AC26564-89E3-E046-BFB4-F80582D7E17B}" dt="2020-01-13T13:43:29.420" v="22"/>
-        <pc:sldMkLst>
-          <pc:docMk/>
-          <pc:sldMk cId="3080714931" sldId="329"/>
-        </pc:sldMkLst>
-      </pc:sldChg>
-      <pc:sldChg chg="del">
-        <pc:chgData name="Long B Nguyen" userId="f59fb8f3-a021-417a-8bc1-65c8d471c621" providerId="ADAL" clId="{6AC26564-89E3-E046-BFB4-F80582D7E17B}" dt="2020-01-13T13:43:17.064" v="4" actId="2696"/>
-        <pc:sldMkLst>
-          <pc:docMk/>
-          <pc:sldMk cId="4294143140" sldId="329"/>
-        </pc:sldMkLst>
-      </pc:sldChg>
-      <pc:sldChg chg="add">
-        <pc:chgData name="Long B Nguyen" userId="f59fb8f3-a021-417a-8bc1-65c8d471c621" providerId="ADAL" clId="{6AC26564-89E3-E046-BFB4-F80582D7E17B}" dt="2020-01-13T13:43:29.420" v="22"/>
-        <pc:sldMkLst>
-          <pc:docMk/>
-          <pc:sldMk cId="532184546" sldId="330"/>
-        </pc:sldMkLst>
-      </pc:sldChg>
-      <pc:sldChg chg="del">
-        <pc:chgData name="Long B Nguyen" userId="f59fb8f3-a021-417a-8bc1-65c8d471c621" providerId="ADAL" clId="{6AC26564-89E3-E046-BFB4-F80582D7E17B}" dt="2020-01-13T13:43:17.136" v="8" actId="2696"/>
-        <pc:sldMkLst>
-          <pc:docMk/>
-          <pc:sldMk cId="3594730708" sldId="330"/>
-        </pc:sldMkLst>
-      </pc:sldChg>
-      <pc:sldChg chg="add">
-        <pc:chgData name="Long B Nguyen" userId="f59fb8f3-a021-417a-8bc1-65c8d471c621" providerId="ADAL" clId="{6AC26564-89E3-E046-BFB4-F80582D7E17B}" dt="2020-01-13T13:43:29.420" v="22"/>
-        <pc:sldMkLst>
-          <pc:docMk/>
-          <pc:sldMk cId="3264629021" sldId="331"/>
-        </pc:sldMkLst>
-      </pc:sldChg>
-      <pc:sldChg chg="del">
-        <pc:chgData name="Long B Nguyen" userId="f59fb8f3-a021-417a-8bc1-65c8d471c621" providerId="ADAL" clId="{6AC26564-89E3-E046-BFB4-F80582D7E17B}" dt="2020-01-13T13:43:17.188" v="12" actId="2696"/>
-        <pc:sldMkLst>
-          <pc:docMk/>
-          <pc:sldMk cId="3870816631" sldId="331"/>
-        </pc:sldMkLst>
-      </pc:sldChg>
-      <pc:sldChg chg="del">
-        <pc:chgData name="Long B Nguyen" userId="f59fb8f3-a021-417a-8bc1-65c8d471c621" providerId="ADAL" clId="{6AC26564-89E3-E046-BFB4-F80582D7E17B}" dt="2020-01-13T13:43:17.163" v="10" actId="2696"/>
-        <pc:sldMkLst>
-          <pc:docMk/>
-          <pc:sldMk cId="3124353102" sldId="332"/>
-        </pc:sldMkLst>
-      </pc:sldChg>
-      <pc:sldChg chg="add">
-        <pc:chgData name="Long B Nguyen" userId="f59fb8f3-a021-417a-8bc1-65c8d471c621" providerId="ADAL" clId="{6AC26564-89E3-E046-BFB4-F80582D7E17B}" dt="2020-01-13T13:43:29.420" v="22"/>
-        <pc:sldMkLst>
-          <pc:docMk/>
-          <pc:sldMk cId="4022722016" sldId="332"/>
-        </pc:sldMkLst>
-      </pc:sldChg>
-      <pc:sldChg chg="add">
-        <pc:chgData name="Long B Nguyen" userId="f59fb8f3-a021-417a-8bc1-65c8d471c621" providerId="ADAL" clId="{6AC26564-89E3-E046-BFB4-F80582D7E17B}" dt="2020-01-13T13:43:29.420" v="22"/>
-        <pc:sldMkLst>
-          <pc:docMk/>
-          <pc:sldMk cId="1710208723" sldId="333"/>
-        </pc:sldMkLst>
-      </pc:sldChg>
-      <pc:sldChg chg="add">
-        <pc:chgData name="Long B Nguyen" userId="f59fb8f3-a021-417a-8bc1-65c8d471c621" providerId="ADAL" clId="{6AC26564-89E3-E046-BFB4-F80582D7E17B}" dt="2020-01-13T13:43:29.420" v="22"/>
-        <pc:sldMkLst>
-          <pc:docMk/>
-          <pc:sldMk cId="3404583044" sldId="334"/>
-        </pc:sldMkLst>
-      </pc:sldChg>
-      <pc:sldChg chg="add">
-        <pc:chgData name="Long B Nguyen" userId="f59fb8f3-a021-417a-8bc1-65c8d471c621" providerId="ADAL" clId="{6AC26564-89E3-E046-BFB4-F80582D7E17B}" dt="2020-01-13T13:43:29.420" v="22"/>
-        <pc:sldMkLst>
-          <pc:docMk/>
-          <pc:sldMk cId="3866550465" sldId="335"/>
-        </pc:sldMkLst>
-      </pc:sldChg>
-      <pc:sldChg chg="add">
-        <pc:chgData name="Long B Nguyen" userId="f59fb8f3-a021-417a-8bc1-65c8d471c621" providerId="ADAL" clId="{6AC26564-89E3-E046-BFB4-F80582D7E17B}" dt="2020-01-13T13:43:29.420" v="22"/>
-        <pc:sldMkLst>
-          <pc:docMk/>
-          <pc:sldMk cId="3749436800" sldId="336"/>
-        </pc:sldMkLst>
-      </pc:sldChg>
-      <pc:sldChg chg="add">
-        <pc:chgData name="Long B Nguyen" userId="f59fb8f3-a021-417a-8bc1-65c8d471c621" providerId="ADAL" clId="{6AC26564-89E3-E046-BFB4-F80582D7E17B}" dt="2020-01-13T13:43:29.420" v="22"/>
-        <pc:sldMkLst>
-          <pc:docMk/>
-          <pc:sldMk cId="461704868" sldId="337"/>
-        </pc:sldMkLst>
-      </pc:sldChg>
-      <pc:sldChg chg="add">
-        <pc:chgData name="Long B Nguyen" userId="f59fb8f3-a021-417a-8bc1-65c8d471c621" providerId="ADAL" clId="{6AC26564-89E3-E046-BFB4-F80582D7E17B}" dt="2020-01-13T13:43:29.420" v="22"/>
-        <pc:sldMkLst>
-          <pc:docMk/>
-          <pc:sldMk cId="545386500" sldId="338"/>
-        </pc:sldMkLst>
-      </pc:sldChg>
-      <pc:sldChg chg="add">
-        <pc:chgData name="Long B Nguyen" userId="f59fb8f3-a021-417a-8bc1-65c8d471c621" providerId="ADAL" clId="{6AC26564-89E3-E046-BFB4-F80582D7E17B}" dt="2020-01-13T13:43:29.420" v="22"/>
-        <pc:sldMkLst>
-          <pc:docMk/>
-          <pc:sldMk cId="1791361008" sldId="339"/>
-        </pc:sldMkLst>
-      </pc:sldChg>
-      <pc:sldChg chg="add">
-        <pc:chgData name="Long B Nguyen" userId="f59fb8f3-a021-417a-8bc1-65c8d471c621" providerId="ADAL" clId="{6AC26564-89E3-E046-BFB4-F80582D7E17B}" dt="2020-01-13T13:43:29.420" v="22"/>
-        <pc:sldMkLst>
-          <pc:docMk/>
-          <pc:sldMk cId="678299524" sldId="340"/>
-        </pc:sldMkLst>
-      </pc:sldChg>
-      <pc:sldChg chg="add">
-        <pc:chgData name="Long B Nguyen" userId="f59fb8f3-a021-417a-8bc1-65c8d471c621" providerId="ADAL" clId="{6AC26564-89E3-E046-BFB4-F80582D7E17B}" dt="2020-01-13T13:43:29.420" v="22"/>
-        <pc:sldMkLst>
-          <pc:docMk/>
-          <pc:sldMk cId="225127645" sldId="341"/>
-        </pc:sldMkLst>
-      </pc:sldChg>
-      <pc:sldChg chg="add">
-        <pc:chgData name="Long B Nguyen" userId="f59fb8f3-a021-417a-8bc1-65c8d471c621" providerId="ADAL" clId="{6AC26564-89E3-E046-BFB4-F80582D7E17B}" dt="2020-01-13T13:43:29.420" v="22"/>
-        <pc:sldMkLst>
-          <pc:docMk/>
-          <pc:sldMk cId="2214326257" sldId="342"/>
-        </pc:sldMkLst>
-      </pc:sldChg>
-      <pc:sldChg chg="add">
-        <pc:chgData name="Long B Nguyen" userId="f59fb8f3-a021-417a-8bc1-65c8d471c621" providerId="ADAL" clId="{6AC26564-89E3-E046-BFB4-F80582D7E17B}" dt="2020-01-13T13:43:29.420" v="22"/>
-        <pc:sldMkLst>
-          <pc:docMk/>
-          <pc:sldMk cId="1356056044" sldId="343"/>
-        </pc:sldMkLst>
-      </pc:sldChg>
-      <pc:sldChg chg="add">
-        <pc:chgData name="Long B Nguyen" userId="f59fb8f3-a021-417a-8bc1-65c8d471c621" providerId="ADAL" clId="{6AC26564-89E3-E046-BFB4-F80582D7E17B}" dt="2020-01-13T13:43:29.420" v="22"/>
-        <pc:sldMkLst>
-          <pc:docMk/>
-          <pc:sldMk cId="1270247652" sldId="344"/>
-        </pc:sldMkLst>
-      </pc:sldChg>
-      <pc:sldChg chg="add">
-        <pc:chgData name="Long B Nguyen" userId="f59fb8f3-a021-417a-8bc1-65c8d471c621" providerId="ADAL" clId="{6AC26564-89E3-E046-BFB4-F80582D7E17B}" dt="2020-01-13T13:43:29.420" v="22"/>
-        <pc:sldMkLst>
-          <pc:docMk/>
-          <pc:sldMk cId="902308803" sldId="345"/>
-        </pc:sldMkLst>
-      </pc:sldChg>
-      <pc:sldChg chg="add">
-        <pc:chgData name="Long B Nguyen" userId="f59fb8f3-a021-417a-8bc1-65c8d471c621" providerId="ADAL" clId="{6AC26564-89E3-E046-BFB4-F80582D7E17B}" dt="2020-01-13T13:43:29.420" v="22"/>
-        <pc:sldMkLst>
-          <pc:docMk/>
-          <pc:sldMk cId="2271372051" sldId="346"/>
-        </pc:sldMkLst>
-      </pc:sldChg>
-      <pc:sldChg chg="add">
-        <pc:chgData name="Long B Nguyen" userId="f59fb8f3-a021-417a-8bc1-65c8d471c621" providerId="ADAL" clId="{6AC26564-89E3-E046-BFB4-F80582D7E17B}" dt="2020-01-13T13:43:29.420" v="22"/>
-        <pc:sldMkLst>
-          <pc:docMk/>
-          <pc:sldMk cId="198078322" sldId="347"/>
-        </pc:sldMkLst>
-      </pc:sldChg>
-    </pc:docChg>
   </pc:docChgLst>
   <pc:docChgLst>
     <pc:chgData name="Long B Nguyen" userId="f59fb8f3-a021-417a-8bc1-65c8d471c621" providerId="ADAL" clId="{A54A5039-9BC6-1548-AC61-7314DB675A9D}"/>
@@ -1682,28 +1123,631 @@
     </pc:docChg>
   </pc:docChgLst>
   <pc:docChgLst>
-    <pc:chgData name="Long B Nguyen" userId="f59fb8f3-a021-417a-8bc1-65c8d471c621" providerId="ADAL" clId="{CC9C9D9A-5149-2947-86C0-576F501F60DC}"/>
-    <pc:docChg chg="addSld modSld">
-      <pc:chgData name="Long B Nguyen" userId="f59fb8f3-a021-417a-8bc1-65c8d471c621" providerId="ADAL" clId="{CC9C9D9A-5149-2947-86C0-576F501F60DC}" dt="2020-01-05T21:59:55.597" v="2392" actId="14100"/>
+    <pc:chgData name="Long B Nguyen" userId="f59fb8f3-a021-417a-8bc1-65c8d471c621" providerId="ADAL" clId="{6AC26564-89E3-E046-BFB4-F80582D7E17B}"/>
+    <pc:docChg chg="custSel addSld delSld modSld">
+      <pc:chgData name="Long B Nguyen" userId="f59fb8f3-a021-417a-8bc1-65c8d471c621" providerId="ADAL" clId="{6AC26564-89E3-E046-BFB4-F80582D7E17B}" dt="2020-01-13T13:46:56.810" v="92" actId="2696"/>
       <pc:docMkLst>
         <pc:docMk/>
       </pc:docMkLst>
-      <pc:sldChg chg="modSp add modAnim">
-        <pc:chgData name="Long B Nguyen" userId="f59fb8f3-a021-417a-8bc1-65c8d471c621" providerId="ADAL" clId="{CC9C9D9A-5149-2947-86C0-576F501F60DC}" dt="2020-01-04T15:49:37.373" v="563" actId="20577"/>
+      <pc:sldChg chg="modSp">
+        <pc:chgData name="Long B Nguyen" userId="f59fb8f3-a021-417a-8bc1-65c8d471c621" providerId="ADAL" clId="{6AC26564-89E3-E046-BFB4-F80582D7E17B}" dt="2020-01-13T13:44:20.464" v="85" actId="20577"/>
+        <pc:sldMkLst>
+          <pc:docMk/>
+          <pc:sldMk cId="4247104139" sldId="256"/>
+        </pc:sldMkLst>
+        <pc:spChg chg="mod">
+          <ac:chgData name="Long B Nguyen" userId="f59fb8f3-a021-417a-8bc1-65c8d471c621" providerId="ADAL" clId="{6AC26564-89E3-E046-BFB4-F80582D7E17B}" dt="2020-01-13T13:43:45.441" v="40" actId="20577"/>
+          <ac:spMkLst>
+            <pc:docMk/>
+            <pc:sldMk cId="4247104139" sldId="256"/>
+            <ac:spMk id="2" creationId="{6117A749-B1BA-E24B-8FB0-0604EF651FB3}"/>
+          </ac:spMkLst>
+        </pc:spChg>
+        <pc:spChg chg="mod">
+          <ac:chgData name="Long B Nguyen" userId="f59fb8f3-a021-417a-8bc1-65c8d471c621" providerId="ADAL" clId="{6AC26564-89E3-E046-BFB4-F80582D7E17B}" dt="2020-01-13T13:44:20.464" v="85" actId="20577"/>
+          <ac:spMkLst>
+            <pc:docMk/>
+            <pc:sldMk cId="4247104139" sldId="256"/>
+            <ac:spMk id="3" creationId="{1BDC47C8-6776-7B44-9CD4-95FC91452D62}"/>
+          </ac:spMkLst>
+        </pc:spChg>
+      </pc:sldChg>
+      <pc:sldChg chg="add del">
+        <pc:chgData name="Long B Nguyen" userId="f59fb8f3-a021-417a-8bc1-65c8d471c621" providerId="ADAL" clId="{6AC26564-89E3-E046-BFB4-F80582D7E17B}" dt="2020-01-13T13:46:54.924" v="89" actId="2696"/>
+        <pc:sldMkLst>
+          <pc:docMk/>
+          <pc:sldMk cId="2869331202" sldId="257"/>
+        </pc:sldMkLst>
+      </pc:sldChg>
+      <pc:sldChg chg="add">
+        <pc:chgData name="Long B Nguyen" userId="f59fb8f3-a021-417a-8bc1-65c8d471c621" providerId="ADAL" clId="{6AC26564-89E3-E046-BFB4-F80582D7E17B}" dt="2020-01-13T13:43:29.420" v="22"/>
+        <pc:sldMkLst>
+          <pc:docMk/>
+          <pc:sldMk cId="1758448129" sldId="309"/>
+        </pc:sldMkLst>
+      </pc:sldChg>
+      <pc:sldChg chg="modSp add del">
+        <pc:chgData name="Long B Nguyen" userId="f59fb8f3-a021-417a-8bc1-65c8d471c621" providerId="ADAL" clId="{6AC26564-89E3-E046-BFB4-F80582D7E17B}" dt="2020-01-13T13:46:55.484" v="90" actId="2696"/>
+        <pc:sldMkLst>
+          <pc:docMk/>
+          <pc:sldMk cId="174202529" sldId="310"/>
+        </pc:sldMkLst>
+        <pc:spChg chg="mod">
+          <ac:chgData name="Long B Nguyen" userId="f59fb8f3-a021-417a-8bc1-65c8d471c621" providerId="ADAL" clId="{6AC26564-89E3-E046-BFB4-F80582D7E17B}" dt="2020-01-13T13:44:35.816" v="86" actId="20577"/>
+          <ac:spMkLst>
+            <pc:docMk/>
+            <pc:sldMk cId="174202529" sldId="310"/>
+            <ac:spMk id="18434" creationId="{72F3E48A-CDFA-CE46-B991-D35BF55EC8E6}"/>
+          </ac:spMkLst>
+        </pc:spChg>
+      </pc:sldChg>
+      <pc:sldChg chg="add del">
+        <pc:chgData name="Long B Nguyen" userId="f59fb8f3-a021-417a-8bc1-65c8d471c621" providerId="ADAL" clId="{6AC26564-89E3-E046-BFB4-F80582D7E17B}" dt="2020-01-13T13:46:56.092" v="91" actId="2696"/>
+        <pc:sldMkLst>
+          <pc:docMk/>
+          <pc:sldMk cId="1098579697" sldId="311"/>
+        </pc:sldMkLst>
+      </pc:sldChg>
+      <pc:sldChg chg="add del">
+        <pc:chgData name="Long B Nguyen" userId="f59fb8f3-a021-417a-8bc1-65c8d471c621" providerId="ADAL" clId="{6AC26564-89E3-E046-BFB4-F80582D7E17B}" dt="2020-01-13T13:46:56.810" v="92" actId="2696"/>
+        <pc:sldMkLst>
+          <pc:docMk/>
+          <pc:sldMk cId="585175195" sldId="312"/>
+        </pc:sldMkLst>
+      </pc:sldChg>
+      <pc:sldChg chg="add">
+        <pc:chgData name="Long B Nguyen" userId="f59fb8f3-a021-417a-8bc1-65c8d471c621" providerId="ADAL" clId="{6AC26564-89E3-E046-BFB4-F80582D7E17B}" dt="2020-01-13T13:43:29.420" v="22"/>
+        <pc:sldMkLst>
+          <pc:docMk/>
+          <pc:sldMk cId="3947558204" sldId="313"/>
+        </pc:sldMkLst>
+      </pc:sldChg>
+      <pc:sldChg chg="add">
+        <pc:chgData name="Long B Nguyen" userId="f59fb8f3-a021-417a-8bc1-65c8d471c621" providerId="ADAL" clId="{6AC26564-89E3-E046-BFB4-F80582D7E17B}" dt="2020-01-13T13:43:29.420" v="22"/>
+        <pc:sldMkLst>
+          <pc:docMk/>
+          <pc:sldMk cId="2054265466" sldId="314"/>
+        </pc:sldMkLst>
+      </pc:sldChg>
+      <pc:sldChg chg="add">
+        <pc:chgData name="Long B Nguyen" userId="f59fb8f3-a021-417a-8bc1-65c8d471c621" providerId="ADAL" clId="{6AC26564-89E3-E046-BFB4-F80582D7E17B}" dt="2020-01-13T13:43:29.420" v="22"/>
+        <pc:sldMkLst>
+          <pc:docMk/>
+          <pc:sldMk cId="917461937" sldId="315"/>
+        </pc:sldMkLst>
+      </pc:sldChg>
+      <pc:sldChg chg="del">
+        <pc:chgData name="Long B Nguyen" userId="f59fb8f3-a021-417a-8bc1-65c8d471c621" providerId="ADAL" clId="{6AC26564-89E3-E046-BFB4-F80582D7E17B}" dt="2020-01-13T13:43:17.195" v="13" actId="2696"/>
+        <pc:sldMkLst>
+          <pc:docMk/>
+          <pc:sldMk cId="1452600724" sldId="316"/>
+        </pc:sldMkLst>
+      </pc:sldChg>
+      <pc:sldChg chg="add">
+        <pc:chgData name="Long B Nguyen" userId="f59fb8f3-a021-417a-8bc1-65c8d471c621" providerId="ADAL" clId="{6AC26564-89E3-E046-BFB4-F80582D7E17B}" dt="2020-01-13T13:43:29.420" v="22"/>
+        <pc:sldMkLst>
+          <pc:docMk/>
+          <pc:sldMk cId="3266234076" sldId="316"/>
+        </pc:sldMkLst>
+      </pc:sldChg>
+      <pc:sldChg chg="add">
+        <pc:chgData name="Long B Nguyen" userId="f59fb8f3-a021-417a-8bc1-65c8d471c621" providerId="ADAL" clId="{6AC26564-89E3-E046-BFB4-F80582D7E17B}" dt="2020-01-13T13:43:29.420" v="22"/>
+        <pc:sldMkLst>
+          <pc:docMk/>
+          <pc:sldMk cId="2886319738" sldId="317"/>
+        </pc:sldMkLst>
+      </pc:sldChg>
+      <pc:sldChg chg="del">
+        <pc:chgData name="Long B Nguyen" userId="f59fb8f3-a021-417a-8bc1-65c8d471c621" providerId="ADAL" clId="{6AC26564-89E3-E046-BFB4-F80582D7E17B}" dt="2020-01-13T13:43:16.993" v="0" actId="2696"/>
+        <pc:sldMkLst>
+          <pc:docMk/>
+          <pc:sldMk cId="924617162" sldId="319"/>
+        </pc:sldMkLst>
+      </pc:sldChg>
+      <pc:sldChg chg="add">
+        <pc:chgData name="Long B Nguyen" userId="f59fb8f3-a021-417a-8bc1-65c8d471c621" providerId="ADAL" clId="{6AC26564-89E3-E046-BFB4-F80582D7E17B}" dt="2020-01-13T13:43:29.420" v="22"/>
+        <pc:sldMkLst>
+          <pc:docMk/>
+          <pc:sldMk cId="3906700287" sldId="319"/>
+        </pc:sldMkLst>
+      </pc:sldChg>
+      <pc:sldChg chg="add">
+        <pc:chgData name="Long B Nguyen" userId="f59fb8f3-a021-417a-8bc1-65c8d471c621" providerId="ADAL" clId="{6AC26564-89E3-E046-BFB4-F80582D7E17B}" dt="2020-01-13T13:43:29.420" v="22"/>
+        <pc:sldMkLst>
+          <pc:docMk/>
+          <pc:sldMk cId="1810541734" sldId="320"/>
+        </pc:sldMkLst>
+      </pc:sldChg>
+      <pc:sldChg chg="del">
+        <pc:chgData name="Long B Nguyen" userId="f59fb8f3-a021-417a-8bc1-65c8d471c621" providerId="ADAL" clId="{6AC26564-89E3-E046-BFB4-F80582D7E17B}" dt="2020-01-13T13:43:17.009" v="1" actId="2696"/>
+        <pc:sldMkLst>
+          <pc:docMk/>
+          <pc:sldMk cId="3758830494" sldId="320"/>
+        </pc:sldMkLst>
+      </pc:sldChg>
+      <pc:sldChg chg="del">
+        <pc:chgData name="Long B Nguyen" userId="f59fb8f3-a021-417a-8bc1-65c8d471c621" providerId="ADAL" clId="{6AC26564-89E3-E046-BFB4-F80582D7E17B}" dt="2020-01-13T13:43:17.029" v="2" actId="2696"/>
+        <pc:sldMkLst>
+          <pc:docMk/>
+          <pc:sldMk cId="1022945305" sldId="321"/>
+        </pc:sldMkLst>
+      </pc:sldChg>
+      <pc:sldChg chg="add">
+        <pc:chgData name="Long B Nguyen" userId="f59fb8f3-a021-417a-8bc1-65c8d471c621" providerId="ADAL" clId="{6AC26564-89E3-E046-BFB4-F80582D7E17B}" dt="2020-01-13T13:43:29.420" v="22"/>
+        <pc:sldMkLst>
+          <pc:docMk/>
+          <pc:sldMk cId="1359731776" sldId="321"/>
+        </pc:sldMkLst>
+      </pc:sldChg>
+      <pc:sldChg chg="del">
+        <pc:chgData name="Long B Nguyen" userId="f59fb8f3-a021-417a-8bc1-65c8d471c621" providerId="ADAL" clId="{6AC26564-89E3-E046-BFB4-F80582D7E17B}" dt="2020-01-13T13:43:17.080" v="5" actId="2696"/>
+        <pc:sldMkLst>
+          <pc:docMk/>
+          <pc:sldMk cId="3456840474" sldId="322"/>
+        </pc:sldMkLst>
+      </pc:sldChg>
+      <pc:sldChg chg="add">
+        <pc:chgData name="Long B Nguyen" userId="f59fb8f3-a021-417a-8bc1-65c8d471c621" providerId="ADAL" clId="{6AC26564-89E3-E046-BFB4-F80582D7E17B}" dt="2020-01-13T13:43:29.420" v="22"/>
+        <pc:sldMkLst>
+          <pc:docMk/>
+          <pc:sldMk cId="3651577480" sldId="322"/>
+        </pc:sldMkLst>
+      </pc:sldChg>
+      <pc:sldChg chg="del">
+        <pc:chgData name="Long B Nguyen" userId="f59fb8f3-a021-417a-8bc1-65c8d471c621" providerId="ADAL" clId="{6AC26564-89E3-E046-BFB4-F80582D7E17B}" dt="2020-01-13T13:43:17.097" v="6" actId="2696"/>
+        <pc:sldMkLst>
+          <pc:docMk/>
+          <pc:sldMk cId="1062075874" sldId="323"/>
+        </pc:sldMkLst>
+      </pc:sldChg>
+      <pc:sldChg chg="add">
+        <pc:chgData name="Long B Nguyen" userId="f59fb8f3-a021-417a-8bc1-65c8d471c621" providerId="ADAL" clId="{6AC26564-89E3-E046-BFB4-F80582D7E17B}" dt="2020-01-13T13:43:29.420" v="22"/>
+        <pc:sldMkLst>
+          <pc:docMk/>
+          <pc:sldMk cId="1496564367" sldId="323"/>
+        </pc:sldMkLst>
+      </pc:sldChg>
+      <pc:sldChg chg="add">
+        <pc:chgData name="Long B Nguyen" userId="f59fb8f3-a021-417a-8bc1-65c8d471c621" providerId="ADAL" clId="{6AC26564-89E3-E046-BFB4-F80582D7E17B}" dt="2020-01-13T13:46:19.952" v="88"/>
+        <pc:sldMkLst>
+          <pc:docMk/>
+          <pc:sldMk cId="771866096" sldId="324"/>
+        </pc:sldMkLst>
+      </pc:sldChg>
+      <pc:sldChg chg="del">
+        <pc:chgData name="Long B Nguyen" userId="f59fb8f3-a021-417a-8bc1-65c8d471c621" providerId="ADAL" clId="{6AC26564-89E3-E046-BFB4-F80582D7E17B}" dt="2020-01-13T13:43:17.152" v="9" actId="2696"/>
+        <pc:sldMkLst>
+          <pc:docMk/>
+          <pc:sldMk cId="1310010799" sldId="324"/>
+        </pc:sldMkLst>
+      </pc:sldChg>
+      <pc:sldChg chg="add del">
+        <pc:chgData name="Long B Nguyen" userId="f59fb8f3-a021-417a-8bc1-65c8d471c621" providerId="ADAL" clId="{6AC26564-89E3-E046-BFB4-F80582D7E17B}" dt="2020-01-13T13:46:07.690" v="87" actId="2696"/>
+        <pc:sldMkLst>
+          <pc:docMk/>
+          <pc:sldMk cId="3999804732" sldId="324"/>
+        </pc:sldMkLst>
+      </pc:sldChg>
+      <pc:sldChg chg="add">
+        <pc:chgData name="Long B Nguyen" userId="f59fb8f3-a021-417a-8bc1-65c8d471c621" providerId="ADAL" clId="{6AC26564-89E3-E046-BFB4-F80582D7E17B}" dt="2020-01-13T13:43:29.420" v="22"/>
+        <pc:sldMkLst>
+          <pc:docMk/>
+          <pc:sldMk cId="1025355635" sldId="325"/>
+        </pc:sldMkLst>
+      </pc:sldChg>
+      <pc:sldChg chg="del">
+        <pc:chgData name="Long B Nguyen" userId="f59fb8f3-a021-417a-8bc1-65c8d471c621" providerId="ADAL" clId="{6AC26564-89E3-E046-BFB4-F80582D7E17B}" dt="2020-01-13T13:43:17.177" v="11" actId="2696"/>
+        <pc:sldMkLst>
+          <pc:docMk/>
+          <pc:sldMk cId="3314372952" sldId="325"/>
+        </pc:sldMkLst>
+      </pc:sldChg>
+      <pc:sldChg chg="del">
+        <pc:chgData name="Long B Nguyen" userId="f59fb8f3-a021-417a-8bc1-65c8d471c621" providerId="ADAL" clId="{6AC26564-89E3-E046-BFB4-F80582D7E17B}" dt="2020-01-13T13:43:17.116" v="7" actId="2696"/>
+        <pc:sldMkLst>
+          <pc:docMk/>
+          <pc:sldMk cId="1724104636" sldId="327"/>
+        </pc:sldMkLst>
+      </pc:sldChg>
+      <pc:sldChg chg="add">
+        <pc:chgData name="Long B Nguyen" userId="f59fb8f3-a021-417a-8bc1-65c8d471c621" providerId="ADAL" clId="{6AC26564-89E3-E046-BFB4-F80582D7E17B}" dt="2020-01-13T13:43:29.420" v="22"/>
+        <pc:sldMkLst>
+          <pc:docMk/>
+          <pc:sldMk cId="4174920299" sldId="327"/>
+        </pc:sldMkLst>
+      </pc:sldChg>
+      <pc:sldChg chg="add">
+        <pc:chgData name="Long B Nguyen" userId="f59fb8f3-a021-417a-8bc1-65c8d471c621" providerId="ADAL" clId="{6AC26564-89E3-E046-BFB4-F80582D7E17B}" dt="2020-01-13T13:43:29.420" v="22"/>
+        <pc:sldMkLst>
+          <pc:docMk/>
+          <pc:sldMk cId="2756462650" sldId="328"/>
+        </pc:sldMkLst>
+      </pc:sldChg>
+      <pc:sldChg chg="del">
+        <pc:chgData name="Long B Nguyen" userId="f59fb8f3-a021-417a-8bc1-65c8d471c621" providerId="ADAL" clId="{6AC26564-89E3-E046-BFB4-F80582D7E17B}" dt="2020-01-13T13:43:17.045" v="3" actId="2696"/>
+        <pc:sldMkLst>
+          <pc:docMk/>
+          <pc:sldMk cId="3894299887" sldId="328"/>
+        </pc:sldMkLst>
+      </pc:sldChg>
+      <pc:sldChg chg="add">
+        <pc:chgData name="Long B Nguyen" userId="f59fb8f3-a021-417a-8bc1-65c8d471c621" providerId="ADAL" clId="{6AC26564-89E3-E046-BFB4-F80582D7E17B}" dt="2020-01-13T13:43:29.420" v="22"/>
+        <pc:sldMkLst>
+          <pc:docMk/>
+          <pc:sldMk cId="3080714931" sldId="329"/>
+        </pc:sldMkLst>
+      </pc:sldChg>
+      <pc:sldChg chg="del">
+        <pc:chgData name="Long B Nguyen" userId="f59fb8f3-a021-417a-8bc1-65c8d471c621" providerId="ADAL" clId="{6AC26564-89E3-E046-BFB4-F80582D7E17B}" dt="2020-01-13T13:43:17.064" v="4" actId="2696"/>
+        <pc:sldMkLst>
+          <pc:docMk/>
+          <pc:sldMk cId="4294143140" sldId="329"/>
+        </pc:sldMkLst>
+      </pc:sldChg>
+      <pc:sldChg chg="add">
+        <pc:chgData name="Long B Nguyen" userId="f59fb8f3-a021-417a-8bc1-65c8d471c621" providerId="ADAL" clId="{6AC26564-89E3-E046-BFB4-F80582D7E17B}" dt="2020-01-13T13:43:29.420" v="22"/>
+        <pc:sldMkLst>
+          <pc:docMk/>
+          <pc:sldMk cId="532184546" sldId="330"/>
+        </pc:sldMkLst>
+      </pc:sldChg>
+      <pc:sldChg chg="del">
+        <pc:chgData name="Long B Nguyen" userId="f59fb8f3-a021-417a-8bc1-65c8d471c621" providerId="ADAL" clId="{6AC26564-89E3-E046-BFB4-F80582D7E17B}" dt="2020-01-13T13:43:17.136" v="8" actId="2696"/>
+        <pc:sldMkLst>
+          <pc:docMk/>
+          <pc:sldMk cId="3594730708" sldId="330"/>
+        </pc:sldMkLst>
+      </pc:sldChg>
+      <pc:sldChg chg="add">
+        <pc:chgData name="Long B Nguyen" userId="f59fb8f3-a021-417a-8bc1-65c8d471c621" providerId="ADAL" clId="{6AC26564-89E3-E046-BFB4-F80582D7E17B}" dt="2020-01-13T13:43:29.420" v="22"/>
+        <pc:sldMkLst>
+          <pc:docMk/>
+          <pc:sldMk cId="3264629021" sldId="331"/>
+        </pc:sldMkLst>
+      </pc:sldChg>
+      <pc:sldChg chg="del">
+        <pc:chgData name="Long B Nguyen" userId="f59fb8f3-a021-417a-8bc1-65c8d471c621" providerId="ADAL" clId="{6AC26564-89E3-E046-BFB4-F80582D7E17B}" dt="2020-01-13T13:43:17.188" v="12" actId="2696"/>
+        <pc:sldMkLst>
+          <pc:docMk/>
+          <pc:sldMk cId="3870816631" sldId="331"/>
+        </pc:sldMkLst>
+      </pc:sldChg>
+      <pc:sldChg chg="del">
+        <pc:chgData name="Long B Nguyen" userId="f59fb8f3-a021-417a-8bc1-65c8d471c621" providerId="ADAL" clId="{6AC26564-89E3-E046-BFB4-F80582D7E17B}" dt="2020-01-13T13:43:17.163" v="10" actId="2696"/>
+        <pc:sldMkLst>
+          <pc:docMk/>
+          <pc:sldMk cId="3124353102" sldId="332"/>
+        </pc:sldMkLst>
+      </pc:sldChg>
+      <pc:sldChg chg="add">
+        <pc:chgData name="Long B Nguyen" userId="f59fb8f3-a021-417a-8bc1-65c8d471c621" providerId="ADAL" clId="{6AC26564-89E3-E046-BFB4-F80582D7E17B}" dt="2020-01-13T13:43:29.420" v="22"/>
+        <pc:sldMkLst>
+          <pc:docMk/>
+          <pc:sldMk cId="4022722016" sldId="332"/>
+        </pc:sldMkLst>
+      </pc:sldChg>
+      <pc:sldChg chg="add">
+        <pc:chgData name="Long B Nguyen" userId="f59fb8f3-a021-417a-8bc1-65c8d471c621" providerId="ADAL" clId="{6AC26564-89E3-E046-BFB4-F80582D7E17B}" dt="2020-01-13T13:43:29.420" v="22"/>
+        <pc:sldMkLst>
+          <pc:docMk/>
+          <pc:sldMk cId="1710208723" sldId="333"/>
+        </pc:sldMkLst>
+      </pc:sldChg>
+      <pc:sldChg chg="add">
+        <pc:chgData name="Long B Nguyen" userId="f59fb8f3-a021-417a-8bc1-65c8d471c621" providerId="ADAL" clId="{6AC26564-89E3-E046-BFB4-F80582D7E17B}" dt="2020-01-13T13:43:29.420" v="22"/>
+        <pc:sldMkLst>
+          <pc:docMk/>
+          <pc:sldMk cId="3404583044" sldId="334"/>
+        </pc:sldMkLst>
+      </pc:sldChg>
+      <pc:sldChg chg="add">
+        <pc:chgData name="Long B Nguyen" userId="f59fb8f3-a021-417a-8bc1-65c8d471c621" providerId="ADAL" clId="{6AC26564-89E3-E046-BFB4-F80582D7E17B}" dt="2020-01-13T13:43:29.420" v="22"/>
+        <pc:sldMkLst>
+          <pc:docMk/>
+          <pc:sldMk cId="3866550465" sldId="335"/>
+        </pc:sldMkLst>
+      </pc:sldChg>
+      <pc:sldChg chg="add">
+        <pc:chgData name="Long B Nguyen" userId="f59fb8f3-a021-417a-8bc1-65c8d471c621" providerId="ADAL" clId="{6AC26564-89E3-E046-BFB4-F80582D7E17B}" dt="2020-01-13T13:43:29.420" v="22"/>
+        <pc:sldMkLst>
+          <pc:docMk/>
+          <pc:sldMk cId="3749436800" sldId="336"/>
+        </pc:sldMkLst>
+      </pc:sldChg>
+      <pc:sldChg chg="add">
+        <pc:chgData name="Long B Nguyen" userId="f59fb8f3-a021-417a-8bc1-65c8d471c621" providerId="ADAL" clId="{6AC26564-89E3-E046-BFB4-F80582D7E17B}" dt="2020-01-13T13:43:29.420" v="22"/>
+        <pc:sldMkLst>
+          <pc:docMk/>
+          <pc:sldMk cId="461704868" sldId="337"/>
+        </pc:sldMkLst>
+      </pc:sldChg>
+      <pc:sldChg chg="add">
+        <pc:chgData name="Long B Nguyen" userId="f59fb8f3-a021-417a-8bc1-65c8d471c621" providerId="ADAL" clId="{6AC26564-89E3-E046-BFB4-F80582D7E17B}" dt="2020-01-13T13:43:29.420" v="22"/>
+        <pc:sldMkLst>
+          <pc:docMk/>
+          <pc:sldMk cId="545386500" sldId="338"/>
+        </pc:sldMkLst>
+      </pc:sldChg>
+      <pc:sldChg chg="add">
+        <pc:chgData name="Long B Nguyen" userId="f59fb8f3-a021-417a-8bc1-65c8d471c621" providerId="ADAL" clId="{6AC26564-89E3-E046-BFB4-F80582D7E17B}" dt="2020-01-13T13:43:29.420" v="22"/>
+        <pc:sldMkLst>
+          <pc:docMk/>
+          <pc:sldMk cId="1791361008" sldId="339"/>
+        </pc:sldMkLst>
+      </pc:sldChg>
+      <pc:sldChg chg="add">
+        <pc:chgData name="Long B Nguyen" userId="f59fb8f3-a021-417a-8bc1-65c8d471c621" providerId="ADAL" clId="{6AC26564-89E3-E046-BFB4-F80582D7E17B}" dt="2020-01-13T13:43:29.420" v="22"/>
+        <pc:sldMkLst>
+          <pc:docMk/>
+          <pc:sldMk cId="678299524" sldId="340"/>
+        </pc:sldMkLst>
+      </pc:sldChg>
+      <pc:sldChg chg="add">
+        <pc:chgData name="Long B Nguyen" userId="f59fb8f3-a021-417a-8bc1-65c8d471c621" providerId="ADAL" clId="{6AC26564-89E3-E046-BFB4-F80582D7E17B}" dt="2020-01-13T13:43:29.420" v="22"/>
+        <pc:sldMkLst>
+          <pc:docMk/>
+          <pc:sldMk cId="225127645" sldId="341"/>
+        </pc:sldMkLst>
+      </pc:sldChg>
+      <pc:sldChg chg="add">
+        <pc:chgData name="Long B Nguyen" userId="f59fb8f3-a021-417a-8bc1-65c8d471c621" providerId="ADAL" clId="{6AC26564-89E3-E046-BFB4-F80582D7E17B}" dt="2020-01-13T13:43:29.420" v="22"/>
+        <pc:sldMkLst>
+          <pc:docMk/>
+          <pc:sldMk cId="2214326257" sldId="342"/>
+        </pc:sldMkLst>
+      </pc:sldChg>
+      <pc:sldChg chg="add">
+        <pc:chgData name="Long B Nguyen" userId="f59fb8f3-a021-417a-8bc1-65c8d471c621" providerId="ADAL" clId="{6AC26564-89E3-E046-BFB4-F80582D7E17B}" dt="2020-01-13T13:43:29.420" v="22"/>
+        <pc:sldMkLst>
+          <pc:docMk/>
+          <pc:sldMk cId="1356056044" sldId="343"/>
+        </pc:sldMkLst>
+      </pc:sldChg>
+      <pc:sldChg chg="add">
+        <pc:chgData name="Long B Nguyen" userId="f59fb8f3-a021-417a-8bc1-65c8d471c621" providerId="ADAL" clId="{6AC26564-89E3-E046-BFB4-F80582D7E17B}" dt="2020-01-13T13:43:29.420" v="22"/>
+        <pc:sldMkLst>
+          <pc:docMk/>
+          <pc:sldMk cId="1270247652" sldId="344"/>
+        </pc:sldMkLst>
+      </pc:sldChg>
+      <pc:sldChg chg="add">
+        <pc:chgData name="Long B Nguyen" userId="f59fb8f3-a021-417a-8bc1-65c8d471c621" providerId="ADAL" clId="{6AC26564-89E3-E046-BFB4-F80582D7E17B}" dt="2020-01-13T13:43:29.420" v="22"/>
+        <pc:sldMkLst>
+          <pc:docMk/>
+          <pc:sldMk cId="902308803" sldId="345"/>
+        </pc:sldMkLst>
+      </pc:sldChg>
+      <pc:sldChg chg="add">
+        <pc:chgData name="Long B Nguyen" userId="f59fb8f3-a021-417a-8bc1-65c8d471c621" providerId="ADAL" clId="{6AC26564-89E3-E046-BFB4-F80582D7E17B}" dt="2020-01-13T13:43:29.420" v="22"/>
+        <pc:sldMkLst>
+          <pc:docMk/>
+          <pc:sldMk cId="2271372051" sldId="346"/>
+        </pc:sldMkLst>
+      </pc:sldChg>
+      <pc:sldChg chg="add">
+        <pc:chgData name="Long B Nguyen" userId="f59fb8f3-a021-417a-8bc1-65c8d471c621" providerId="ADAL" clId="{6AC26564-89E3-E046-BFB4-F80582D7E17B}" dt="2020-01-13T13:43:29.420" v="22"/>
+        <pc:sldMkLst>
+          <pc:docMk/>
+          <pc:sldMk cId="198078322" sldId="347"/>
+        </pc:sldMkLst>
+      </pc:sldChg>
+    </pc:docChg>
+  </pc:docChgLst>
+  <pc:docChgLst>
+    <pc:chgData name="Long B Nguyen" userId="f59fb8f3-a021-417a-8bc1-65c8d471c621" providerId="ADAL" clId="{E5BF62A1-4F8A-BC49-8FD7-ABEA3D28ED25}"/>
+  </pc:docChgLst>
+  <pc:docChgLst>
+    <pc:chgData name="Long B Nguyen" userId="f59fb8f3-a021-417a-8bc1-65c8d471c621" providerId="ADAL" clId="{73D77412-AFB3-0E43-BFB0-47BF024DC990}"/>
+    <pc:docChg chg="modSld">
+      <pc:chgData name="Long B Nguyen" userId="f59fb8f3-a021-417a-8bc1-65c8d471c621" providerId="ADAL" clId="{73D77412-AFB3-0E43-BFB0-47BF024DC990}" dt="2020-02-26T17:06:08.596" v="24" actId="20577"/>
+      <pc:docMkLst>
+        <pc:docMk/>
+      </pc:docMkLst>
+      <pc:sldChg chg="modSp">
+        <pc:chgData name="Long B Nguyen" userId="f59fb8f3-a021-417a-8bc1-65c8d471c621" providerId="ADAL" clId="{73D77412-AFB3-0E43-BFB0-47BF024DC990}" dt="2020-02-26T17:06:08.596" v="24" actId="20577"/>
+        <pc:sldMkLst>
+          <pc:docMk/>
+          <pc:sldMk cId="719963950" sldId="342"/>
+        </pc:sldMkLst>
+        <pc:spChg chg="mod">
+          <ac:chgData name="Long B Nguyen" userId="f59fb8f3-a021-417a-8bc1-65c8d471c621" providerId="ADAL" clId="{73D77412-AFB3-0E43-BFB0-47BF024DC990}" dt="2020-02-26T17:06:08.596" v="24" actId="20577"/>
+          <ac:spMkLst>
+            <pc:docMk/>
+            <pc:sldMk cId="719963950" sldId="342"/>
+            <ac:spMk id="5" creationId="{0FE295BD-6CD2-6846-AF3A-CA0AE1986E1A}"/>
+          </ac:spMkLst>
+        </pc:spChg>
+      </pc:sldChg>
+    </pc:docChg>
+  </pc:docChgLst>
+  <pc:docChgLst>
+    <pc:chgData name="Long B Nguyen" userId="f59fb8f3-a021-417a-8bc1-65c8d471c621" providerId="ADAL" clId="{6CD83B71-C243-244B-B302-DE2E82069201}"/>
+  </pc:docChgLst>
+  <pc:docChgLst>
+    <pc:chgData name="Long B Nguyen" userId="f59fb8f3-a021-417a-8bc1-65c8d471c621" providerId="ADAL" clId="{AA9102B5-DACA-D841-B260-AEEBF90FC60A}"/>
+    <pc:docChg chg="custSel addSld delSld modSld">
+      <pc:chgData name="Long B Nguyen" userId="f59fb8f3-a021-417a-8bc1-65c8d471c621" providerId="ADAL" clId="{AA9102B5-DACA-D841-B260-AEEBF90FC60A}" dt="2020-01-06T17:07:10.515" v="1519" actId="2711"/>
+      <pc:docMkLst>
+        <pc:docMk/>
+      </pc:docMkLst>
+      <pc:sldChg chg="modSp">
+        <pc:chgData name="Long B Nguyen" userId="f59fb8f3-a021-417a-8bc1-65c8d471c621" providerId="ADAL" clId="{AA9102B5-DACA-D841-B260-AEEBF90FC60A}" dt="2020-01-05T22:05:23.536" v="23" actId="20577"/>
+        <pc:sldMkLst>
+          <pc:docMk/>
+          <pc:sldMk cId="4247104139" sldId="256"/>
+        </pc:sldMkLst>
+        <pc:spChg chg="mod">
+          <ac:chgData name="Long B Nguyen" userId="f59fb8f3-a021-417a-8bc1-65c8d471c621" providerId="ADAL" clId="{AA9102B5-DACA-D841-B260-AEEBF90FC60A}" dt="2020-01-05T22:05:23.536" v="23" actId="20577"/>
+          <ac:spMkLst>
+            <pc:docMk/>
+            <pc:sldMk cId="4247104139" sldId="256"/>
+            <ac:spMk id="3" creationId="{1BDC47C8-6776-7B44-9CD4-95FC91452D62}"/>
+          </ac:spMkLst>
+        </pc:spChg>
+      </pc:sldChg>
+      <pc:sldChg chg="del">
+        <pc:chgData name="Long B Nguyen" userId="f59fb8f3-a021-417a-8bc1-65c8d471c621" providerId="ADAL" clId="{AA9102B5-DACA-D841-B260-AEEBF90FC60A}" dt="2020-01-05T22:05:52.483" v="41" actId="2696"/>
+        <pc:sldMkLst>
+          <pc:docMk/>
+          <pc:sldMk cId="1438711869" sldId="284"/>
+        </pc:sldMkLst>
+      </pc:sldChg>
+      <pc:sldChg chg="del">
+        <pc:chgData name="Long B Nguyen" userId="f59fb8f3-a021-417a-8bc1-65c8d471c621" providerId="ADAL" clId="{AA9102B5-DACA-D841-B260-AEEBF90FC60A}" dt="2020-01-05T22:05:52.199" v="24" actId="2696"/>
+        <pc:sldMkLst>
+          <pc:docMk/>
+          <pc:sldMk cId="131840209" sldId="286"/>
+        </pc:sldMkLst>
+      </pc:sldChg>
+      <pc:sldChg chg="del">
+        <pc:chgData name="Long B Nguyen" userId="f59fb8f3-a021-417a-8bc1-65c8d471c621" providerId="ADAL" clId="{AA9102B5-DACA-D841-B260-AEEBF90FC60A}" dt="2020-01-05T22:05:52.214" v="25" actId="2696"/>
+        <pc:sldMkLst>
+          <pc:docMk/>
+          <pc:sldMk cId="1816941262" sldId="295"/>
+        </pc:sldMkLst>
+      </pc:sldChg>
+      <pc:sldChg chg="del">
+        <pc:chgData name="Long B Nguyen" userId="f59fb8f3-a021-417a-8bc1-65c8d471c621" providerId="ADAL" clId="{AA9102B5-DACA-D841-B260-AEEBF90FC60A}" dt="2020-01-05T22:05:52.246" v="27" actId="2696"/>
+        <pc:sldMkLst>
+          <pc:docMk/>
+          <pc:sldMk cId="553003360" sldId="296"/>
+        </pc:sldMkLst>
+      </pc:sldChg>
+      <pc:sldChg chg="del">
+        <pc:chgData name="Long B Nguyen" userId="f59fb8f3-a021-417a-8bc1-65c8d471c621" providerId="ADAL" clId="{AA9102B5-DACA-D841-B260-AEEBF90FC60A}" dt="2020-01-05T22:05:52.268" v="28" actId="2696"/>
+        <pc:sldMkLst>
+          <pc:docMk/>
+          <pc:sldMk cId="3006175481" sldId="297"/>
+        </pc:sldMkLst>
+      </pc:sldChg>
+      <pc:sldChg chg="del">
+        <pc:chgData name="Long B Nguyen" userId="f59fb8f3-a021-417a-8bc1-65c8d471c621" providerId="ADAL" clId="{AA9102B5-DACA-D841-B260-AEEBF90FC60A}" dt="2020-01-05T22:05:52.287" v="29" actId="2696"/>
+        <pc:sldMkLst>
+          <pc:docMk/>
+          <pc:sldMk cId="3150557076" sldId="298"/>
+        </pc:sldMkLst>
+      </pc:sldChg>
+      <pc:sldChg chg="del">
+        <pc:chgData name="Long B Nguyen" userId="f59fb8f3-a021-417a-8bc1-65c8d471c621" providerId="ADAL" clId="{AA9102B5-DACA-D841-B260-AEEBF90FC60A}" dt="2020-01-05T22:05:52.442" v="38" actId="2696"/>
+        <pc:sldMkLst>
+          <pc:docMk/>
+          <pc:sldMk cId="128704095" sldId="302"/>
+        </pc:sldMkLst>
+      </pc:sldChg>
+      <pc:sldChg chg="del">
+        <pc:chgData name="Long B Nguyen" userId="f59fb8f3-a021-417a-8bc1-65c8d471c621" providerId="ADAL" clId="{AA9102B5-DACA-D841-B260-AEEBF90FC60A}" dt="2020-01-05T22:05:52.305" v="30" actId="2696"/>
+        <pc:sldMkLst>
+          <pc:docMk/>
+          <pc:sldMk cId="3275945509" sldId="303"/>
+        </pc:sldMkLst>
+      </pc:sldChg>
+      <pc:sldChg chg="del">
+        <pc:chgData name="Long B Nguyen" userId="f59fb8f3-a021-417a-8bc1-65c8d471c621" providerId="ADAL" clId="{AA9102B5-DACA-D841-B260-AEEBF90FC60A}" dt="2020-01-05T22:05:52.321" v="31" actId="2696"/>
+        <pc:sldMkLst>
+          <pc:docMk/>
+          <pc:sldMk cId="406772024" sldId="304"/>
+        </pc:sldMkLst>
+      </pc:sldChg>
+      <pc:sldChg chg="del">
+        <pc:chgData name="Long B Nguyen" userId="f59fb8f3-a021-417a-8bc1-65c8d471c621" providerId="ADAL" clId="{AA9102B5-DACA-D841-B260-AEEBF90FC60A}" dt="2020-01-05T22:05:52.334" v="32" actId="2696"/>
+        <pc:sldMkLst>
+          <pc:docMk/>
+          <pc:sldMk cId="1703902501" sldId="305"/>
+        </pc:sldMkLst>
+      </pc:sldChg>
+      <pc:sldChg chg="del">
+        <pc:chgData name="Long B Nguyen" userId="f59fb8f3-a021-417a-8bc1-65c8d471c621" providerId="ADAL" clId="{AA9102B5-DACA-D841-B260-AEEBF90FC60A}" dt="2020-01-05T22:05:52.461" v="39" actId="2696"/>
+        <pc:sldMkLst>
+          <pc:docMk/>
+          <pc:sldMk cId="3614829039" sldId="306"/>
+        </pc:sldMkLst>
+      </pc:sldChg>
+      <pc:sldChg chg="del">
+        <pc:chgData name="Long B Nguyen" userId="f59fb8f3-a021-417a-8bc1-65c8d471c621" providerId="ADAL" clId="{AA9102B5-DACA-D841-B260-AEEBF90FC60A}" dt="2020-01-05T22:05:52.471" v="40" actId="2696"/>
+        <pc:sldMkLst>
+          <pc:docMk/>
+          <pc:sldMk cId="295911327" sldId="307"/>
+        </pc:sldMkLst>
+      </pc:sldChg>
+      <pc:sldChg chg="del">
+        <pc:chgData name="Long B Nguyen" userId="f59fb8f3-a021-417a-8bc1-65c8d471c621" providerId="ADAL" clId="{AA9102B5-DACA-D841-B260-AEEBF90FC60A}" dt="2020-01-05T22:05:52.353" v="33" actId="2696"/>
+        <pc:sldMkLst>
+          <pc:docMk/>
+          <pc:sldMk cId="67957925" sldId="308"/>
+        </pc:sldMkLst>
+      </pc:sldChg>
+      <pc:sldChg chg="del">
+        <pc:chgData name="Long B Nguyen" userId="f59fb8f3-a021-417a-8bc1-65c8d471c621" providerId="ADAL" clId="{AA9102B5-DACA-D841-B260-AEEBF90FC60A}" dt="2020-01-05T22:05:52.365" v="34" actId="2696"/>
+        <pc:sldMkLst>
+          <pc:docMk/>
+          <pc:sldMk cId="1872435103" sldId="309"/>
+        </pc:sldMkLst>
+      </pc:sldChg>
+      <pc:sldChg chg="del">
+        <pc:chgData name="Long B Nguyen" userId="f59fb8f3-a021-417a-8bc1-65c8d471c621" providerId="ADAL" clId="{AA9102B5-DACA-D841-B260-AEEBF90FC60A}" dt="2020-01-05T22:05:52.385" v="35" actId="2696"/>
+        <pc:sldMkLst>
+          <pc:docMk/>
+          <pc:sldMk cId="4088965571" sldId="310"/>
+        </pc:sldMkLst>
+      </pc:sldChg>
+      <pc:sldChg chg="del">
+        <pc:chgData name="Long B Nguyen" userId="f59fb8f3-a021-417a-8bc1-65c8d471c621" providerId="ADAL" clId="{AA9102B5-DACA-D841-B260-AEEBF90FC60A}" dt="2020-01-05T22:05:52.404" v="36" actId="2696"/>
+        <pc:sldMkLst>
+          <pc:docMk/>
+          <pc:sldMk cId="2255846137" sldId="311"/>
+        </pc:sldMkLst>
+      </pc:sldChg>
+      <pc:sldChg chg="del">
+        <pc:chgData name="Long B Nguyen" userId="f59fb8f3-a021-417a-8bc1-65c8d471c621" providerId="ADAL" clId="{AA9102B5-DACA-D841-B260-AEEBF90FC60A}" dt="2020-01-05T22:05:52.423" v="37" actId="2696"/>
+        <pc:sldMkLst>
+          <pc:docMk/>
+          <pc:sldMk cId="1513627164" sldId="312"/>
+        </pc:sldMkLst>
+      </pc:sldChg>
+      <pc:sldChg chg="del">
+        <pc:chgData name="Long B Nguyen" userId="f59fb8f3-a021-417a-8bc1-65c8d471c621" providerId="ADAL" clId="{AA9102B5-DACA-D841-B260-AEEBF90FC60A}" dt="2020-01-05T22:05:52.231" v="26" actId="2696"/>
+        <pc:sldMkLst>
+          <pc:docMk/>
+          <pc:sldMk cId="2097059918" sldId="313"/>
+        </pc:sldMkLst>
+      </pc:sldChg>
+      <pc:sldChg chg="modSp">
+        <pc:chgData name="Long B Nguyen" userId="f59fb8f3-a021-417a-8bc1-65c8d471c621" providerId="ADAL" clId="{AA9102B5-DACA-D841-B260-AEEBF90FC60A}" dt="2020-01-06T15:37:30.346" v="948" actId="20577"/>
+        <pc:sldMkLst>
+          <pc:docMk/>
+          <pc:sldMk cId="1452600724" sldId="316"/>
+        </pc:sldMkLst>
+        <pc:spChg chg="mod">
+          <ac:chgData name="Long B Nguyen" userId="f59fb8f3-a021-417a-8bc1-65c8d471c621" providerId="ADAL" clId="{AA9102B5-DACA-D841-B260-AEEBF90FC60A}" dt="2020-01-06T15:37:30.346" v="948" actId="20577"/>
+          <ac:spMkLst>
+            <pc:docMk/>
+            <pc:sldMk cId="1452600724" sldId="316"/>
+            <ac:spMk id="9" creationId="{E3B2E017-30B2-884B-A113-B419A2ED51AD}"/>
+          </ac:spMkLst>
+        </pc:spChg>
+      </pc:sldChg>
+      <pc:sldChg chg="del">
+        <pc:chgData name="Long B Nguyen" userId="f59fb8f3-a021-417a-8bc1-65c8d471c621" providerId="ADAL" clId="{AA9102B5-DACA-D841-B260-AEEBF90FC60A}" dt="2020-01-06T15:03:11.354" v="848" actId="2696"/>
+        <pc:sldMkLst>
+          <pc:docMk/>
+          <pc:sldMk cId="1787114790" sldId="317"/>
+        </pc:sldMkLst>
+      </pc:sldChg>
+      <pc:sldChg chg="del">
+        <pc:chgData name="Long B Nguyen" userId="f59fb8f3-a021-417a-8bc1-65c8d471c621" providerId="ADAL" clId="{AA9102B5-DACA-D841-B260-AEEBF90FC60A}" dt="2020-01-05T22:06:12.101" v="42" actId="2696"/>
+        <pc:sldMkLst>
+          <pc:docMk/>
+          <pc:sldMk cId="1215229427" sldId="318"/>
+        </pc:sldMkLst>
+      </pc:sldChg>
+      <pc:sldChg chg="modSp">
+        <pc:chgData name="Long B Nguyen" userId="f59fb8f3-a021-417a-8bc1-65c8d471c621" providerId="ADAL" clId="{AA9102B5-DACA-D841-B260-AEEBF90FC60A}" dt="2020-01-06T01:48:03.413" v="110" actId="20577"/>
         <pc:sldMkLst>
           <pc:docMk/>
           <pc:sldMk cId="924617162" sldId="319"/>
         </pc:sldMkLst>
         <pc:spChg chg="mod">
-          <ac:chgData name="Long B Nguyen" userId="f59fb8f3-a021-417a-8bc1-65c8d471c621" providerId="ADAL" clId="{CC9C9D9A-5149-2947-86C0-576F501F60DC}" dt="2020-01-04T15:45:14.876" v="4" actId="20577"/>
-          <ac:spMkLst>
-            <pc:docMk/>
-            <pc:sldMk cId="924617162" sldId="319"/>
-            <ac:spMk id="2" creationId="{AA3A228F-61D0-D949-A5E7-F83756230BF8}"/>
-          </ac:spMkLst>
-        </pc:spChg>
-        <pc:spChg chg="mod">
-          <ac:chgData name="Long B Nguyen" userId="f59fb8f3-a021-417a-8bc1-65c8d471c621" providerId="ADAL" clId="{CC9C9D9A-5149-2947-86C0-576F501F60DC}" dt="2020-01-04T15:49:37.373" v="563" actId="20577"/>
+          <ac:chgData name="Long B Nguyen" userId="f59fb8f3-a021-417a-8bc1-65c8d471c621" providerId="ADAL" clId="{AA9102B5-DACA-D841-B260-AEEBF90FC60A}" dt="2020-01-06T01:48:03.413" v="110" actId="20577"/>
           <ac:spMkLst>
             <pc:docMk/>
             <pc:sldMk cId="924617162" sldId="319"/>
@@ -1711,98 +1755,14 @@
           </ac:spMkLst>
         </pc:spChg>
       </pc:sldChg>
-      <pc:sldChg chg="modSp add">
-        <pc:chgData name="Long B Nguyen" userId="f59fb8f3-a021-417a-8bc1-65c8d471c621" providerId="ADAL" clId="{CC9C9D9A-5149-2947-86C0-576F501F60DC}" dt="2020-01-04T15:57:55.835" v="789" actId="14100"/>
-        <pc:sldMkLst>
-          <pc:docMk/>
-          <pc:sldMk cId="3758830494" sldId="320"/>
-        </pc:sldMkLst>
-        <pc:spChg chg="mod">
-          <ac:chgData name="Long B Nguyen" userId="f59fb8f3-a021-417a-8bc1-65c8d471c621" providerId="ADAL" clId="{CC9C9D9A-5149-2947-86C0-576F501F60DC}" dt="2020-01-04T15:57:52.065" v="788" actId="1076"/>
-          <ac:spMkLst>
-            <pc:docMk/>
-            <pc:sldMk cId="3758830494" sldId="320"/>
-            <ac:spMk id="2" creationId="{AA3A228F-61D0-D949-A5E7-F83756230BF8}"/>
-          </ac:spMkLst>
-        </pc:spChg>
-        <pc:spChg chg="mod">
-          <ac:chgData name="Long B Nguyen" userId="f59fb8f3-a021-417a-8bc1-65c8d471c621" providerId="ADAL" clId="{CC9C9D9A-5149-2947-86C0-576F501F60DC}" dt="2020-01-04T15:57:55.835" v="789" actId="14100"/>
-          <ac:spMkLst>
-            <pc:docMk/>
-            <pc:sldMk cId="3758830494" sldId="320"/>
-            <ac:spMk id="9" creationId="{E3B2E017-30B2-884B-A113-B419A2ED51AD}"/>
-          </ac:spMkLst>
-        </pc:spChg>
-      </pc:sldChg>
-      <pc:sldChg chg="modSp add">
-        <pc:chgData name="Long B Nguyen" userId="f59fb8f3-a021-417a-8bc1-65c8d471c621" providerId="ADAL" clId="{CC9C9D9A-5149-2947-86C0-576F501F60DC}" dt="2020-01-05T21:51:37.442" v="2325" actId="20577"/>
-        <pc:sldMkLst>
-          <pc:docMk/>
-          <pc:sldMk cId="1022945305" sldId="321"/>
-        </pc:sldMkLst>
-        <pc:spChg chg="mod">
-          <ac:chgData name="Long B Nguyen" userId="f59fb8f3-a021-417a-8bc1-65c8d471c621" providerId="ADAL" clId="{CC9C9D9A-5149-2947-86C0-576F501F60DC}" dt="2020-01-05T21:51:37.442" v="2325" actId="20577"/>
-          <ac:spMkLst>
-            <pc:docMk/>
-            <pc:sldMk cId="1022945305" sldId="321"/>
-            <ac:spMk id="2" creationId="{AA3A228F-61D0-D949-A5E7-F83756230BF8}"/>
-          </ac:spMkLst>
-        </pc:spChg>
-        <pc:spChg chg="mod">
-          <ac:chgData name="Long B Nguyen" userId="f59fb8f3-a021-417a-8bc1-65c8d471c621" providerId="ADAL" clId="{CC9C9D9A-5149-2947-86C0-576F501F60DC}" dt="2020-01-05T21:33:21.485" v="2304" actId="20577"/>
-          <ac:spMkLst>
-            <pc:docMk/>
-            <pc:sldMk cId="1022945305" sldId="321"/>
-            <ac:spMk id="9" creationId="{E3B2E017-30B2-884B-A113-B419A2ED51AD}"/>
-          </ac:spMkLst>
-        </pc:spChg>
-      </pc:sldChg>
-      <pc:sldChg chg="modSp add">
-        <pc:chgData name="Long B Nguyen" userId="f59fb8f3-a021-417a-8bc1-65c8d471c621" providerId="ADAL" clId="{CC9C9D9A-5149-2947-86C0-576F501F60DC}" dt="2020-01-04T17:41:57.489" v="1203" actId="20577"/>
-        <pc:sldMkLst>
-          <pc:docMk/>
-          <pc:sldMk cId="3456840474" sldId="322"/>
-        </pc:sldMkLst>
-        <pc:spChg chg="mod">
-          <ac:chgData name="Long B Nguyen" userId="f59fb8f3-a021-417a-8bc1-65c8d471c621" providerId="ADAL" clId="{CC9C9D9A-5149-2947-86C0-576F501F60DC}" dt="2020-01-04T17:41:57.489" v="1203" actId="20577"/>
-          <ac:spMkLst>
-            <pc:docMk/>
-            <pc:sldMk cId="3456840474" sldId="322"/>
-            <ac:spMk id="9" creationId="{E3B2E017-30B2-884B-A113-B419A2ED51AD}"/>
-          </ac:spMkLst>
-        </pc:spChg>
-      </pc:sldChg>
-      <pc:sldChg chg="modSp add">
-        <pc:chgData name="Long B Nguyen" userId="f59fb8f3-a021-417a-8bc1-65c8d471c621" providerId="ADAL" clId="{CC9C9D9A-5149-2947-86C0-576F501F60DC}" dt="2020-01-04T18:38:26.241" v="1214" actId="113"/>
-        <pc:sldMkLst>
-          <pc:docMk/>
-          <pc:sldMk cId="1062075874" sldId="323"/>
-        </pc:sldMkLst>
-        <pc:spChg chg="mod">
-          <ac:chgData name="Long B Nguyen" userId="f59fb8f3-a021-417a-8bc1-65c8d471c621" providerId="ADAL" clId="{CC9C9D9A-5149-2947-86C0-576F501F60DC}" dt="2020-01-04T18:38:26.241" v="1214" actId="113"/>
-          <ac:spMkLst>
-            <pc:docMk/>
-            <pc:sldMk cId="1062075874" sldId="323"/>
-            <ac:spMk id="9" creationId="{E3B2E017-30B2-884B-A113-B419A2ED51AD}"/>
-          </ac:spMkLst>
-        </pc:spChg>
-      </pc:sldChg>
-      <pc:sldChg chg="modSp add">
-        <pc:chgData name="Long B Nguyen" userId="f59fb8f3-a021-417a-8bc1-65c8d471c621" providerId="ADAL" clId="{CC9C9D9A-5149-2947-86C0-576F501F60DC}" dt="2020-01-04T20:58:36.932" v="1972" actId="20577"/>
+      <pc:sldChg chg="modSp">
+        <pc:chgData name="Long B Nguyen" userId="f59fb8f3-a021-417a-8bc1-65c8d471c621" providerId="ADAL" clId="{AA9102B5-DACA-D841-B260-AEEBF90FC60A}" dt="2020-01-06T01:56:11.549" v="712" actId="1076"/>
         <pc:sldMkLst>
           <pc:docMk/>
           <pc:sldMk cId="1310010799" sldId="324"/>
         </pc:sldMkLst>
         <pc:spChg chg="mod">
-          <ac:chgData name="Long B Nguyen" userId="f59fb8f3-a021-417a-8bc1-65c8d471c621" providerId="ADAL" clId="{CC9C9D9A-5149-2947-86C0-576F501F60DC}" dt="2020-01-04T20:55:25.731" v="1962" actId="1076"/>
-          <ac:spMkLst>
-            <pc:docMk/>
-            <pc:sldMk cId="1310010799" sldId="324"/>
-            <ac:spMk id="2" creationId="{AA3A228F-61D0-D949-A5E7-F83756230BF8}"/>
-          </ac:spMkLst>
-        </pc:spChg>
-        <pc:spChg chg="mod">
-          <ac:chgData name="Long B Nguyen" userId="f59fb8f3-a021-417a-8bc1-65c8d471c621" providerId="ADAL" clId="{CC9C9D9A-5149-2947-86C0-576F501F60DC}" dt="2020-01-04T20:58:36.932" v="1972" actId="20577"/>
+          <ac:chgData name="Long B Nguyen" userId="f59fb8f3-a021-417a-8bc1-65c8d471c621" providerId="ADAL" clId="{AA9102B5-DACA-D841-B260-AEEBF90FC60A}" dt="2020-01-06T01:56:11.549" v="712" actId="1076"/>
           <ac:spMkLst>
             <pc:docMk/>
             <pc:sldMk cId="1310010799" sldId="324"/>
@@ -1810,14 +1770,14 @@
           </ac:spMkLst>
         </pc:spChg>
       </pc:sldChg>
-      <pc:sldChg chg="modSp add">
-        <pc:chgData name="Long B Nguyen" userId="f59fb8f3-a021-417a-8bc1-65c8d471c621" providerId="ADAL" clId="{CC9C9D9A-5149-2947-86C0-576F501F60DC}" dt="2020-01-05T21:27:04.952" v="2119" actId="20577"/>
+      <pc:sldChg chg="modSp">
+        <pc:chgData name="Long B Nguyen" userId="f59fb8f3-a021-417a-8bc1-65c8d471c621" providerId="ADAL" clId="{AA9102B5-DACA-D841-B260-AEEBF90FC60A}" dt="2020-01-06T15:35:11.658" v="853" actId="20577"/>
         <pc:sldMkLst>
           <pc:docMk/>
           <pc:sldMk cId="3314372952" sldId="325"/>
         </pc:sldMkLst>
         <pc:spChg chg="mod">
-          <ac:chgData name="Long B Nguyen" userId="f59fb8f3-a021-417a-8bc1-65c8d471c621" providerId="ADAL" clId="{CC9C9D9A-5149-2947-86C0-576F501F60DC}" dt="2020-01-05T21:26:41.210" v="2114" actId="20577"/>
+          <ac:chgData name="Long B Nguyen" userId="f59fb8f3-a021-417a-8bc1-65c8d471c621" providerId="ADAL" clId="{AA9102B5-DACA-D841-B260-AEEBF90FC60A}" dt="2020-01-06T15:35:11.658" v="853" actId="20577"/>
           <ac:spMkLst>
             <pc:docMk/>
             <pc:sldMk cId="3314372952" sldId="325"/>
@@ -1825,7 +1785,7 @@
           </ac:spMkLst>
         </pc:spChg>
         <pc:spChg chg="mod">
-          <ac:chgData name="Long B Nguyen" userId="f59fb8f3-a021-417a-8bc1-65c8d471c621" providerId="ADAL" clId="{CC9C9D9A-5149-2947-86C0-576F501F60DC}" dt="2020-01-05T21:27:04.952" v="2119" actId="20577"/>
+          <ac:chgData name="Long B Nguyen" userId="f59fb8f3-a021-417a-8bc1-65c8d471c621" providerId="ADAL" clId="{AA9102B5-DACA-D841-B260-AEEBF90FC60A}" dt="2020-01-06T15:02:45.351" v="846" actId="20577"/>
           <ac:spMkLst>
             <pc:docMk/>
             <pc:sldMk cId="3314372952" sldId="325"/>
@@ -1833,73 +1793,128 @@
           </ac:spMkLst>
         </pc:spChg>
       </pc:sldChg>
-      <pc:sldChg chg="modSp add">
-        <pc:chgData name="Long B Nguyen" userId="f59fb8f3-a021-417a-8bc1-65c8d471c621" providerId="ADAL" clId="{CC9C9D9A-5149-2947-86C0-576F501F60DC}" dt="2020-01-05T21:29:58.563" v="2178" actId="20577"/>
+      <pc:sldChg chg="del">
+        <pc:chgData name="Long B Nguyen" userId="f59fb8f3-a021-417a-8bc1-65c8d471c621" providerId="ADAL" clId="{AA9102B5-DACA-D841-B260-AEEBF90FC60A}" dt="2020-01-06T15:03:07.580" v="847" actId="2696"/>
         <pc:sldMkLst>
           <pc:docMk/>
           <pc:sldMk cId="3117943122" sldId="326"/>
         </pc:sldMkLst>
+      </pc:sldChg>
+      <pc:sldChg chg="del">
+        <pc:chgData name="Long B Nguyen" userId="f59fb8f3-a021-417a-8bc1-65c8d471c621" providerId="ADAL" clId="{AA9102B5-DACA-D841-B260-AEEBF90FC60A}" dt="2020-01-06T01:49:27.456" v="111" actId="2696"/>
+        <pc:sldMkLst>
+          <pc:docMk/>
+          <pc:sldMk cId="1025618360" sldId="327"/>
+        </pc:sldMkLst>
+      </pc:sldChg>
+      <pc:sldChg chg="modSp add">
+        <pc:chgData name="Long B Nguyen" userId="f59fb8f3-a021-417a-8bc1-65c8d471c621" providerId="ADAL" clId="{AA9102B5-DACA-D841-B260-AEEBF90FC60A}" dt="2020-01-06T15:00:48.763" v="818" actId="113"/>
+        <pc:sldMkLst>
+          <pc:docMk/>
+          <pc:sldMk cId="1724104636" sldId="327"/>
+        </pc:sldMkLst>
         <pc:spChg chg="mod">
-          <ac:chgData name="Long B Nguyen" userId="f59fb8f3-a021-417a-8bc1-65c8d471c621" providerId="ADAL" clId="{CC9C9D9A-5149-2947-86C0-576F501F60DC}" dt="2020-01-05T21:29:58.563" v="2178" actId="20577"/>
+          <ac:chgData name="Long B Nguyen" userId="f59fb8f3-a021-417a-8bc1-65c8d471c621" providerId="ADAL" clId="{AA9102B5-DACA-D841-B260-AEEBF90FC60A}" dt="2020-01-06T15:00:48.763" v="818" actId="113"/>
           <ac:spMkLst>
             <pc:docMk/>
-            <pc:sldMk cId="3117943122" sldId="326"/>
+            <pc:sldMk cId="1724104636" sldId="327"/>
+            <ac:spMk id="9" creationId="{E3B2E017-30B2-884B-A113-B419A2ED51AD}"/>
+          </ac:spMkLst>
+        </pc:spChg>
+      </pc:sldChg>
+      <pc:sldChg chg="modSp">
+        <pc:chgData name="Long B Nguyen" userId="f59fb8f3-a021-417a-8bc1-65c8d471c621" providerId="ADAL" clId="{AA9102B5-DACA-D841-B260-AEEBF90FC60A}" dt="2020-01-06T01:55:34.369" v="708" actId="20577"/>
+        <pc:sldMkLst>
+          <pc:docMk/>
+          <pc:sldMk cId="4294143140" sldId="329"/>
+        </pc:sldMkLst>
+        <pc:spChg chg="mod">
+          <ac:chgData name="Long B Nguyen" userId="f59fb8f3-a021-417a-8bc1-65c8d471c621" providerId="ADAL" clId="{AA9102B5-DACA-D841-B260-AEEBF90FC60A}" dt="2020-01-06T01:55:34.369" v="708" actId="20577"/>
+          <ac:spMkLst>
+            <pc:docMk/>
+            <pc:sldMk cId="4294143140" sldId="329"/>
             <ac:spMk id="9" creationId="{E3B2E017-30B2-884B-A113-B419A2ED51AD}"/>
           </ac:spMkLst>
         </pc:spChg>
       </pc:sldChg>
       <pc:sldChg chg="modSp add">
-        <pc:chgData name="Long B Nguyen" userId="f59fb8f3-a021-417a-8bc1-65c8d471c621" providerId="ADAL" clId="{CC9C9D9A-5149-2947-86C0-576F501F60DC}" dt="2020-01-05T21:59:55.597" v="2392" actId="14100"/>
+        <pc:chgData name="Long B Nguyen" userId="f59fb8f3-a021-417a-8bc1-65c8d471c621" providerId="ADAL" clId="{AA9102B5-DACA-D841-B260-AEEBF90FC60A}" dt="2020-01-06T15:01:01.638" v="819" actId="2711"/>
         <pc:sldMkLst>
           <pc:docMk/>
-          <pc:sldMk cId="1025618360" sldId="327"/>
+          <pc:sldMk cId="3594730708" sldId="330"/>
         </pc:sldMkLst>
         <pc:spChg chg="mod">
-          <ac:chgData name="Long B Nguyen" userId="f59fb8f3-a021-417a-8bc1-65c8d471c621" providerId="ADAL" clId="{CC9C9D9A-5149-2947-86C0-576F501F60DC}" dt="2020-01-05T21:59:55.597" v="2392" actId="14100"/>
+          <ac:chgData name="Long B Nguyen" userId="f59fb8f3-a021-417a-8bc1-65c8d471c621" providerId="ADAL" clId="{AA9102B5-DACA-D841-B260-AEEBF90FC60A}" dt="2020-01-06T15:01:01.638" v="819" actId="2711"/>
           <ac:spMkLst>
             <pc:docMk/>
-            <pc:sldMk cId="1025618360" sldId="327"/>
+            <pc:sldMk cId="3594730708" sldId="330"/>
             <ac:spMk id="9" creationId="{E3B2E017-30B2-884B-A113-B419A2ED51AD}"/>
           </ac:spMkLst>
         </pc:spChg>
       </pc:sldChg>
       <pc:sldChg chg="modSp add">
-        <pc:chgData name="Long B Nguyen" userId="f59fb8f3-a021-417a-8bc1-65c8d471c621" providerId="ADAL" clId="{CC9C9D9A-5149-2947-86C0-576F501F60DC}" dt="2020-01-05T21:54:47.081" v="2356" actId="2711"/>
+        <pc:chgData name="Long B Nguyen" userId="f59fb8f3-a021-417a-8bc1-65c8d471c621" providerId="ADAL" clId="{AA9102B5-DACA-D841-B260-AEEBF90FC60A}" dt="2020-01-06T02:00:17.493" v="815" actId="255"/>
         <pc:sldMkLst>
           <pc:docMk/>
-          <pc:sldMk cId="3894299887" sldId="328"/>
+          <pc:sldMk cId="3870816631" sldId="331"/>
         </pc:sldMkLst>
         <pc:spChg chg="mod">
-          <ac:chgData name="Long B Nguyen" userId="f59fb8f3-a021-417a-8bc1-65c8d471c621" providerId="ADAL" clId="{CC9C9D9A-5149-2947-86C0-576F501F60DC}" dt="2020-01-05T21:51:41.306" v="2327" actId="20577"/>
+          <ac:chgData name="Long B Nguyen" userId="f59fb8f3-a021-417a-8bc1-65c8d471c621" providerId="ADAL" clId="{AA9102B5-DACA-D841-B260-AEEBF90FC60A}" dt="2020-01-06T02:00:17.493" v="815" actId="255"/>
           <ac:spMkLst>
             <pc:docMk/>
-            <pc:sldMk cId="3894299887" sldId="328"/>
+            <pc:sldMk cId="3870816631" sldId="331"/>
+            <ac:spMk id="9" creationId="{E3B2E017-30B2-884B-A113-B419A2ED51AD}"/>
+          </ac:spMkLst>
+        </pc:spChg>
+      </pc:sldChg>
+      <pc:sldChg chg="modSp add">
+        <pc:chgData name="Long B Nguyen" userId="f59fb8f3-a021-417a-8bc1-65c8d471c621" providerId="ADAL" clId="{AA9102B5-DACA-D841-B260-AEEBF90FC60A}" dt="2020-01-06T17:07:10.515" v="1519" actId="2711"/>
+        <pc:sldMkLst>
+          <pc:docMk/>
+          <pc:sldMk cId="3124353102" sldId="332"/>
+        </pc:sldMkLst>
+        <pc:spChg chg="mod">
+          <ac:chgData name="Long B Nguyen" userId="f59fb8f3-a021-417a-8bc1-65c8d471c621" providerId="ADAL" clId="{AA9102B5-DACA-D841-B260-AEEBF90FC60A}" dt="2020-01-06T17:03:36.721" v="1332" actId="20577"/>
+          <ac:spMkLst>
+            <pc:docMk/>
+            <pc:sldMk cId="3124353102" sldId="332"/>
             <ac:spMk id="2" creationId="{AA3A228F-61D0-D949-A5E7-F83756230BF8}"/>
           </ac:spMkLst>
         </pc:spChg>
         <pc:spChg chg="mod">
-          <ac:chgData name="Long B Nguyen" userId="f59fb8f3-a021-417a-8bc1-65c8d471c621" providerId="ADAL" clId="{CC9C9D9A-5149-2947-86C0-576F501F60DC}" dt="2020-01-05T21:54:47.081" v="2356" actId="2711"/>
+          <ac:chgData name="Long B Nguyen" userId="f59fb8f3-a021-417a-8bc1-65c8d471c621" providerId="ADAL" clId="{AA9102B5-DACA-D841-B260-AEEBF90FC60A}" dt="2020-01-06T17:07:10.515" v="1519" actId="2711"/>
           <ac:spMkLst>
             <pc:docMk/>
-            <pc:sldMk cId="3894299887" sldId="328"/>
+            <pc:sldMk cId="3124353102" sldId="332"/>
             <ac:spMk id="9" creationId="{E3B2E017-30B2-884B-A113-B419A2ED51AD}"/>
           </ac:spMkLst>
         </pc:spChg>
       </pc:sldChg>
-      <pc:sldChg chg="add">
-        <pc:chgData name="Long B Nguyen" userId="f59fb8f3-a021-417a-8bc1-65c8d471c621" providerId="ADAL" clId="{CC9C9D9A-5149-2947-86C0-576F501F60DC}" dt="2020-01-05T21:57:38.736" v="2357"/>
-        <pc:sldMkLst>
-          <pc:docMk/>
-          <pc:sldMk cId="4294143140" sldId="329"/>
-        </pc:sldMkLst>
-      </pc:sldChg>
     </pc:docChg>
   </pc:docChgLst>
   <pc:docChgLst>
-    <pc:chgData name="Long B Nguyen" userId="f59fb8f3-a021-417a-8bc1-65c8d471c621" providerId="ADAL" clId="{6CD83B71-C243-244B-B302-DE2E82069201}"/>
-  </pc:docChgLst>
-  <pc:docChgLst>
-    <pc:chgData name="Long B Nguyen" userId="f59fb8f3-a021-417a-8bc1-65c8d471c621" providerId="ADAL" clId="{E5BF62A1-4F8A-BC49-8FD7-ABEA3D28ED25}"/>
+    <pc:chgData name="Long B Nguyen" userId="f59fb8f3-a021-417a-8bc1-65c8d471c621" providerId="ADAL" clId="{B5860C40-AA08-4447-A918-2D2782E0FC0B}"/>
+    <pc:docChg chg="delSld modSld">
+      <pc:chgData name="Long B Nguyen" userId="f59fb8f3-a021-417a-8bc1-65c8d471c621" providerId="ADAL" clId="{B5860C40-AA08-4447-A918-2D2782E0FC0B}" dt="2019-09-16T13:59:20.091" v="35" actId="2696"/>
+      <pc:docMkLst>
+        <pc:docMk/>
+      </pc:docMkLst>
+      <pc:sldChg chg="modSp">
+        <pc:chgData name="Long B Nguyen" userId="f59fb8f3-a021-417a-8bc1-65c8d471c621" providerId="ADAL" clId="{B5860C40-AA08-4447-A918-2D2782E0FC0B}" dt="2019-09-16T13:58:36.640" v="18" actId="20577"/>
+        <pc:sldMkLst>
+          <pc:docMk/>
+          <pc:sldMk cId="4247104139" sldId="256"/>
+        </pc:sldMkLst>
+        <pc:spChg chg="mod">
+          <ac:chgData name="Long B Nguyen" userId="f59fb8f3-a021-417a-8bc1-65c8d471c621" providerId="ADAL" clId="{B5860C40-AA08-4447-A918-2D2782E0FC0B}" dt="2019-09-16T13:58:36.640" v="18" actId="20577"/>
+          <ac:spMkLst>
+            <pc:docMk/>
+            <pc:sldMk cId="4247104139" sldId="256"/>
+            <ac:spMk id="3" creationId="{1BDC47C8-6776-7B44-9CD4-95FC91452D62}"/>
+          </ac:spMkLst>
+        </pc:spChg>
+      </pc:sldChg>
+    </pc:docChg>
   </pc:docChgLst>
 </pc:chgInfo>
 </file>
@@ -1986,7 +2001,7 @@
           <a:p>
             <a:fld id="{6EDD99D2-A624-5E4F-A4E3-584054837B5A}" type="datetimeFigureOut">
               <a:rPr lang="en-US" smtClean="0"/>
-              <a:t>2/12/20</a:t>
+              <a:t>2/26/20</a:t>
             </a:fld>
             <a:endParaRPr lang="en-US"/>
           </a:p>
@@ -5089,7 +5104,7 @@
           <a:p>
             <a:fld id="{4AAD347D-5ACD-4C99-B74B-A9C85AD731AF}" type="datetimeFigureOut">
               <a:rPr lang="en-US" smtClean="0"/>
-              <a:t>2/12/20</a:t>
+              <a:t>2/26/20</a:t>
             </a:fld>
             <a:endParaRPr lang="en-US" dirty="0"/>
           </a:p>
@@ -5259,7 +5274,7 @@
           <a:p>
             <a:fld id="{4509A250-FF31-4206-8172-F9D3106AACB1}" type="datetimeFigureOut">
               <a:rPr lang="en-US" smtClean="0"/>
-              <a:t>2/12/20</a:t>
+              <a:t>2/26/20</a:t>
             </a:fld>
             <a:endParaRPr lang="en-US" dirty="0"/>
           </a:p>
@@ -5439,7 +5454,7 @@
           <a:p>
             <a:fld id="{4509A250-FF31-4206-8172-F9D3106AACB1}" type="datetimeFigureOut">
               <a:rPr lang="en-US" smtClean="0"/>
-              <a:t>2/12/20</a:t>
+              <a:t>2/26/20</a:t>
             </a:fld>
             <a:endParaRPr lang="en-US" dirty="0"/>
           </a:p>
@@ -5644,7 +5659,7 @@
           <a:p>
             <a:fld id="{48A87A34-81AB-432B-8DAE-1953F412C126}" type="datetimeFigureOut">
               <a:rPr lang="en-US" smtClean="0"/>
-              <a:t>2/12/20</a:t>
+              <a:t>2/26/20</a:t>
             </a:fld>
             <a:endParaRPr lang="en-US" dirty="0"/>
           </a:p>
@@ -5814,7 +5829,7 @@
           <a:p>
             <a:fld id="{4509A250-FF31-4206-8172-F9D3106AACB1}" type="datetimeFigureOut">
               <a:rPr lang="en-US" smtClean="0"/>
-              <a:t>2/12/20</a:t>
+              <a:t>2/26/20</a:t>
             </a:fld>
             <a:endParaRPr lang="en-US" dirty="0"/>
           </a:p>
@@ -6060,7 +6075,7 @@
           <a:p>
             <a:fld id="{9796027F-7875-4030-9381-8BD8C4F21935}" type="datetimeFigureOut">
               <a:rPr lang="en-US" smtClean="0"/>
-              <a:t>2/12/20</a:t>
+              <a:t>2/26/20</a:t>
             </a:fld>
             <a:endParaRPr lang="en-US" dirty="0"/>
           </a:p>
@@ -6292,7 +6307,7 @@
           <a:p>
             <a:fld id="{9796027F-7875-4030-9381-8BD8C4F21935}" type="datetimeFigureOut">
               <a:rPr lang="en-US" smtClean="0"/>
-              <a:t>2/12/20</a:t>
+              <a:t>2/26/20</a:t>
             </a:fld>
             <a:endParaRPr lang="en-US" dirty="0"/>
           </a:p>
@@ -6659,7 +6674,7 @@
           <a:p>
             <a:fld id="{9796027F-7875-4030-9381-8BD8C4F21935}" type="datetimeFigureOut">
               <a:rPr lang="en-US" smtClean="0"/>
-              <a:t>2/12/20</a:t>
+              <a:t>2/26/20</a:t>
             </a:fld>
             <a:endParaRPr lang="en-US" dirty="0"/>
           </a:p>
@@ -6777,7 +6792,7 @@
           <a:p>
             <a:fld id="{4509A250-FF31-4206-8172-F9D3106AACB1}" type="datetimeFigureOut">
               <a:rPr lang="en-US" smtClean="0"/>
-              <a:t>2/12/20</a:t>
+              <a:t>2/26/20</a:t>
             </a:fld>
             <a:endParaRPr lang="en-US" dirty="0"/>
           </a:p>
@@ -6872,7 +6887,7 @@
           <a:p>
             <a:fld id="{4509A250-FF31-4206-8172-F9D3106AACB1}" type="datetimeFigureOut">
               <a:rPr lang="en-US" smtClean="0"/>
-              <a:t>2/12/20</a:t>
+              <a:t>2/26/20</a:t>
             </a:fld>
             <a:endParaRPr lang="en-US" dirty="0"/>
           </a:p>
@@ -7149,7 +7164,7 @@
           <a:p>
             <a:fld id="{4509A250-FF31-4206-8172-F9D3106AACB1}" type="datetimeFigureOut">
               <a:rPr lang="en-US" smtClean="0"/>
-              <a:t>2/12/20</a:t>
+              <a:t>2/26/20</a:t>
             </a:fld>
             <a:endParaRPr lang="en-US" dirty="0"/>
           </a:p>
@@ -7406,7 +7421,7 @@
           <a:p>
             <a:fld id="{4509A250-FF31-4206-8172-F9D3106AACB1}" type="datetimeFigureOut">
               <a:rPr lang="en-US" smtClean="0"/>
-              <a:t>2/12/20</a:t>
+              <a:t>2/26/20</a:t>
             </a:fld>
             <a:endParaRPr lang="en-US" dirty="0"/>
           </a:p>
@@ -7619,7 +7634,7 @@
           <a:p>
             <a:fld id="{4AAD347D-5ACD-4C99-B74B-A9C85AD731AF}" type="datetimeFigureOut">
               <a:rPr lang="en-US" smtClean="0"/>
-              <a:t>2/12/20</a:t>
+              <a:t>2/26/20</a:t>
             </a:fld>
             <a:endParaRPr lang="en-US" dirty="0"/>
           </a:p>
@@ -13825,22 +13840,23 @@
             </a:pPr>
             <a:r>
               <a:rPr lang="en-US" sz="2200" dirty="0"/>
-              <a:t>To compute all coefficients, one can use a nested for loop, one for each coefficient. </a:t>
-            </a:r>
-          </a:p>
-          <a:p>
-            <a:pPr marL="0" indent="0">
-              <a:buNone/>
-            </a:pPr>
-            <a:endParaRPr lang="en-US" sz="2200" dirty="0"/>
-          </a:p>
-          <a:p>
-            <a:pPr marL="0" indent="0">
-              <a:buNone/>
-            </a:pPr>
+              <a:t>To compute all coefficients, one can use </a:t>
+            </a:r>
+            <a:r>
+              <a:rPr lang="en-US" sz="2200"/>
+              <a:t>a nested set of for loops, </a:t>
+            </a:r>
             <a:r>
               <a:rPr lang="en-US" sz="2200" dirty="0"/>
-              <a:t>However, such an implementation is VERY slow. The Fast Fourier Transform is a fast implementation of the computing the DFT. </a:t>
+              <a:t>one for each coefficient</a:t>
+            </a:r>
+            <a:r>
+              <a:rPr lang="en-US" sz="2200"/>
+              <a:t>. </a:t>
+            </a:r>
+            <a:r>
+              <a:rPr lang="en-US" sz="2200" dirty="0"/>
+              <a:t>However, such an implementation is VERY slow. The Fast Fourier Transform is a fast implementation for computing the DFT. </a:t>
             </a:r>
           </a:p>
           <a:p>

--- a/courses/apcsp/lect17.pptx
+++ b/courses/apcsp/lect17.pptx
@@ -136,6 +136,14 @@
     </p:ext>
   </p:extLst>
 </p:presentation>
+</file>
+
+<file path=ppt/revisionInfo.xml><?xml version="1.0" encoding="utf-8"?>
+<p1510:revInfo xmlns:a="http://schemas.openxmlformats.org/drawingml/2006/main" xmlns:r="http://schemas.openxmlformats.org/officeDocument/2006/relationships" xmlns:p1510="http://schemas.microsoft.com/office/powerpoint/2015/10/main">
+  <p1510:revLst>
+    <p1510:client id="{73D77412-AFB3-0E43-BFB0-47BF024DC990}" v="7" dt="2020-02-27T02:59:34.048"/>
+  </p1510:revLst>
+</p1510:revInfo>
 </file>
 
 <file path=ppt/changesInfos/changesInfo1.xml><?xml version="1.0" encoding="utf-8"?>
@@ -1539,10 +1547,25 @@
   <pc:docChgLst>
     <pc:chgData name="Long B Nguyen" userId="f59fb8f3-a021-417a-8bc1-65c8d471c621" providerId="ADAL" clId="{73D77412-AFB3-0E43-BFB0-47BF024DC990}"/>
     <pc:docChg chg="modSld">
-      <pc:chgData name="Long B Nguyen" userId="f59fb8f3-a021-417a-8bc1-65c8d471c621" providerId="ADAL" clId="{73D77412-AFB3-0E43-BFB0-47BF024DC990}" dt="2020-02-26T17:06:08.596" v="24" actId="20577"/>
+      <pc:chgData name="Long B Nguyen" userId="f59fb8f3-a021-417a-8bc1-65c8d471c621" providerId="ADAL" clId="{73D77412-AFB3-0E43-BFB0-47BF024DC990}" dt="2020-02-27T02:59:34.048" v="31" actId="20577"/>
       <pc:docMkLst>
         <pc:docMk/>
       </pc:docMkLst>
+      <pc:sldChg chg="modSp">
+        <pc:chgData name="Long B Nguyen" userId="f59fb8f3-a021-417a-8bc1-65c8d471c621" providerId="ADAL" clId="{73D77412-AFB3-0E43-BFB0-47BF024DC990}" dt="2020-02-27T02:59:34.048" v="31" actId="20577"/>
+        <pc:sldMkLst>
+          <pc:docMk/>
+          <pc:sldMk cId="2857242397" sldId="333"/>
+        </pc:sldMkLst>
+        <pc:spChg chg="mod">
+          <ac:chgData name="Long B Nguyen" userId="f59fb8f3-a021-417a-8bc1-65c8d471c621" providerId="ADAL" clId="{73D77412-AFB3-0E43-BFB0-47BF024DC990}" dt="2020-02-27T02:59:34.048" v="31" actId="20577"/>
+          <ac:spMkLst>
+            <pc:docMk/>
+            <pc:sldMk cId="2857242397" sldId="333"/>
+            <ac:spMk id="5" creationId="{0FE295BD-6CD2-6846-AF3A-CA0AE1986E1A}"/>
+          </ac:spMkLst>
+        </pc:spChg>
+      </pc:sldChg>
       <pc:sldChg chg="modSp">
         <pc:chgData name="Long B Nguyen" userId="f59fb8f3-a021-417a-8bc1-65c8d471c621" providerId="ADAL" clId="{73D77412-AFB3-0E43-BFB0-47BF024DC990}" dt="2020-02-26T17:06:08.596" v="24" actId="20577"/>
         <pc:sldMkLst>
@@ -11517,7 +11540,15 @@
             </a:pPr>
             <a:r>
               <a:rPr lang="en-US" sz="2200" cap="none" dirty="0"/>
-              <a:t>CD Quality(fs = 4Hz)</a:t>
+              <a:t>CD Quality(fs </a:t>
+            </a:r>
+            <a:r>
+              <a:rPr lang="en-US" sz="2200" cap="none"/>
+              <a:t>= 44100 Hz</a:t>
+            </a:r>
+            <a:r>
+              <a:rPr lang="en-US" sz="2200" cap="none" dirty="0"/>
+              <a:t>)</a:t>
             </a:r>
           </a:p>
         </p:txBody>
